--- a/HW1_Trajectory_Almazov_Arsen.pptx
+++ b/HW1_Trajectory_Almazov_Arsen.pptx
@@ -5,15 +5,17 @@
     <p:sldMasterId id="2147483648" r:id="rId1"/>
   </p:sldMasterIdLst>
   <p:notesMasterIdLst>
-    <p:notesMasterId r:id="rId6"/>
+    <p:notesMasterId r:id="rId8"/>
   </p:notesMasterIdLst>
   <p:handoutMasterIdLst>
-    <p:handoutMasterId r:id="rId7"/>
+    <p:handoutMasterId r:id="rId9"/>
   </p:handoutMasterIdLst>
   <p:sldIdLst>
     <p:sldId id="256" r:id="rId3"/>
     <p:sldId id="257" r:id="rId4"/>
     <p:sldId id="258" r:id="rId5"/>
+    <p:sldId id="259" r:id="rId6"/>
+    <p:sldId id="260" r:id="rId7"/>
   </p:sldIdLst>
   <p:sldSz cx="12192000" cy="6858000"/>
   <p:notesSz cx="7103745" cy="10234295"/>
@@ -115,12 +117,12 @@
   <p:extLst>
     <p:ext uri="{EFAFB233-063F-42B5-8137-9DF3F51BA10A}">
       <p15:sldGuideLst xmlns:p15="http://schemas.microsoft.com/office/powerpoint/2012/main">
-        <p15:guide id="1" orient="horz" pos="2159" userDrawn="1">
+        <p15:guide id="1" orient="horz" pos="2160" userDrawn="1">
           <p15:clr>
             <a:srgbClr val="A4A3A4"/>
           </p15:clr>
         </p15:guide>
-        <p15:guide id="2" pos="3840" userDrawn="1">
+        <p15:guide id="2" pos="3839" userDrawn="1">
           <p15:clr>
             <a:srgbClr val="A4A3A4"/>
           </p15:clr>
@@ -129,6 +131,21 @@
     </p:ext>
   </p:extLst>
 </p:presentation>
+</file>
+
+<file path=ppt/commentAuthors.xml><?xml version="1.0" encoding="utf-8"?>
+<p:cmAuthorLst xmlns:a="http://schemas.openxmlformats.org/drawingml/2006/main" xmlns:r="http://schemas.openxmlformats.org/officeDocument/2006/relationships" xmlns:p="http://schemas.openxmlformats.org/presentationml/2006/main">
+  <p:cmAuthor id="641521632" name="Arsen Xl" initials="A" lastIdx="1" clrIdx="0"/>
+</p:cmAuthorLst>
+</file>
+
+<file path=ppt/comments/comment1.xml><?xml version="1.0" encoding="utf-8"?>
+<p:cmLst xmlns:a="http://schemas.openxmlformats.org/drawingml/2006/main" xmlns:r="http://schemas.openxmlformats.org/officeDocument/2006/relationships" xmlns:p="http://schemas.openxmlformats.org/presentationml/2006/main">
+  <p:cm authorId="641521632" dt="2025-08-27T23:52:37.060" idx="1">
+    <p:pos x="10" y="10"/>
+    <p:text/>
+  </p:cm>
+</p:cmLst>
 </file>
 
 <file path=ppt/handoutMasters/handoutMaster1.xml><?xml version="1.0" encoding="utf-8"?>
@@ -3551,40 +3568,12 @@
                 <a:spcPct val="100000"/>
               </a:lnSpc>
             </a:pPr>
-            <a:r>
-              <a:rPr lang="en-US" altLang="ru-RU" sz="3200" b="1"/>
-              <a:t> </a:t>
-            </a:r>
-            <a:r>
-              <a:rPr lang="en-US" altLang="en-US" sz="3200" b="1"/>
-              <a:t>Кто</a:t>
-            </a:r>
-            <a:r>
-              <a:rPr lang="en-US" altLang="ru-RU" sz="3200" b="1"/>
-              <a:t> </a:t>
-            </a:r>
-            <a:r>
-              <a:rPr lang="en-US" altLang="en-US" sz="3200" b="1"/>
-              <a:t>я</a:t>
-            </a:r>
-            <a:r>
-              <a:rPr lang="en-US" altLang="ru-RU" sz="3200" b="1"/>
-              <a:t> </a:t>
-            </a:r>
-            <a:r>
-              <a:rPr lang="en-US" altLang="en-US" sz="3200" b="1"/>
-              <a:t>сейчас</a:t>
-            </a:r>
             <a:br>
               <a:rPr lang="en-US" altLang="en-US" sz="3200" b="1"/>
             </a:br>
             <a:r>
               <a:rPr lang="en-US" altLang="en-US" sz="3200" b="1"/>
-              <a:t>Заголовок</a:t>
-            </a:r>
-            <a:r>
-              <a:rPr lang="en-US" altLang="ru-RU" sz="3200" b="1"/>
-              <a:t>: </a:t>
+              <a:t>Алмазов </a:t>
             </a:r>
             <a:r>
               <a:rPr lang="en-US" altLang="en-US" sz="3200" b="1"/>
@@ -3597,6 +3586,10 @@
             <a:r>
               <a:rPr lang="en-US" altLang="en-US" sz="3200" b="1"/>
               <a:t>Алмазов</a:t>
+            </a:r>
+            <a:r>
+              <a:rPr lang="en-US" altLang="en-US" sz="3200" b="1"/>
+              <a:t>ич</a:t>
             </a:r>
             <a:r>
               <a:rPr lang="en-US" altLang="ru-RU" sz="3200" b="1"/>
@@ -3668,7 +3661,7 @@
                 </a:solidFill>
                 <a:sym typeface="+mn-ea"/>
               </a:rPr>
-              <a:t>Содержание</a:t>
+              <a:t>Мне</a:t>
             </a:r>
             <a:r>
               <a:rPr lang="en-US" altLang="ru-RU" sz="2300" b="1">
@@ -3677,7 +3670,16 @@
                 </a:solidFill>
                 <a:sym typeface="+mn-ea"/>
               </a:rPr>
-              <a:t>:</a:t>
+              <a:t> 25 </a:t>
+            </a:r>
+            <a:r>
+              <a:rPr lang="en-US" altLang="en-US" sz="2300" b="1">
+                <a:solidFill>
+                  <a:schemeClr val="tx1"/>
+                </a:solidFill>
+                <a:sym typeface="+mn-ea"/>
+              </a:rPr>
+              <a:t>лет</a:t>
             </a:r>
             <a:br>
               <a:rPr lang="en-US" altLang="ru-RU" sz="2300" b="1">
@@ -3702,7 +3704,7 @@
                 </a:solidFill>
                 <a:sym typeface="+mn-ea"/>
               </a:rPr>
-              <a:t>Кто</a:t>
+              <a:t>У</a:t>
             </a:r>
             <a:r>
               <a:rPr lang="en-US" altLang="ru-RU" sz="2300" b="1">
@@ -3720,7 +3722,7 @@
                 </a:solidFill>
                 <a:sym typeface="+mn-ea"/>
               </a:rPr>
-              <a:t>я</a:t>
+              <a:t>меня</a:t>
             </a:r>
             <a:r>
               <a:rPr lang="en-US" altLang="ru-RU" sz="2300" b="1">
@@ -3729,7 +3731,7 @@
                 </a:solidFill>
                 <a:sym typeface="+mn-ea"/>
               </a:rPr>
-              <a:t>: </a:t>
+              <a:t> </a:t>
             </a:r>
             <a:r>
               <a:rPr lang="en-US" altLang="en-US" sz="2300" b="1">
@@ -3738,7 +3740,7 @@
                 </a:solidFill>
                 <a:sym typeface="+mn-ea"/>
               </a:rPr>
-              <a:t>Мне</a:t>
+              <a:t>есть</a:t>
             </a:r>
             <a:r>
               <a:rPr lang="en-US" altLang="ru-RU" sz="2300" b="1">
@@ -3747,7 +3749,7 @@
                 </a:solidFill>
                 <a:sym typeface="+mn-ea"/>
               </a:rPr>
-              <a:t> 25 </a:t>
+              <a:t> </a:t>
             </a:r>
             <a:r>
               <a:rPr lang="en-US" altLang="en-US" sz="2300" b="1">
@@ -3756,7 +3758,7 @@
                 </a:solidFill>
                 <a:sym typeface="+mn-ea"/>
               </a:rPr>
-              <a:t>лет</a:t>
+              <a:t>опыт</a:t>
             </a:r>
             <a:r>
               <a:rPr lang="en-US" altLang="ru-RU" sz="2300" b="1">
@@ -3765,7 +3767,7 @@
                 </a:solidFill>
                 <a:sym typeface="+mn-ea"/>
               </a:rPr>
-              <a:t>, </a:t>
+              <a:t> </a:t>
             </a:r>
             <a:r>
               <a:rPr lang="en-US" altLang="en-US" sz="2300" b="1">
@@ -3774,7 +3776,7 @@
                 </a:solidFill>
                 <a:sym typeface="+mn-ea"/>
               </a:rPr>
-              <a:t>я</a:t>
+              <a:t>работы</a:t>
             </a:r>
             <a:r>
               <a:rPr lang="en-US" altLang="ru-RU" sz="2300" b="1">
@@ -3792,7 +3794,7 @@
                 </a:solidFill>
                 <a:sym typeface="+mn-ea"/>
               </a:rPr>
-              <a:t>изучаю</a:t>
+              <a:t>помощником</a:t>
             </a:r>
             <a:r>
               <a:rPr lang="en-US" altLang="ru-RU" sz="2300" b="1">
@@ -3801,7 +3803,97 @@
                 </a:solidFill>
                 <a:sym typeface="+mn-ea"/>
               </a:rPr>
-              <a:t> Python.</a:t>
+              <a:t> </a:t>
+            </a:r>
+            <a:r>
+              <a:rPr lang="en-US" altLang="en-US" sz="2300" b="1">
+                <a:solidFill>
+                  <a:schemeClr val="tx1"/>
+                </a:solidFill>
+                <a:sym typeface="+mn-ea"/>
+              </a:rPr>
+              <a:t>кладовщика</a:t>
+            </a:r>
+            <a:r>
+              <a:rPr lang="en-US" altLang="ru-RU" sz="2300" b="1">
+                <a:solidFill>
+                  <a:schemeClr val="tx1"/>
+                </a:solidFill>
+                <a:sym typeface="+mn-ea"/>
+              </a:rPr>
+              <a:t> </a:t>
+            </a:r>
+            <a:r>
+              <a:rPr lang="en-US" altLang="en-US" sz="2300" b="1">
+                <a:solidFill>
+                  <a:schemeClr val="tx1"/>
+                </a:solidFill>
+                <a:sym typeface="+mn-ea"/>
+              </a:rPr>
+              <a:t>на</a:t>
+            </a:r>
+            <a:r>
+              <a:rPr lang="en-US" altLang="ru-RU" sz="2300" b="1">
+                <a:solidFill>
+                  <a:schemeClr val="tx1"/>
+                </a:solidFill>
+                <a:sym typeface="+mn-ea"/>
+              </a:rPr>
+              <a:t> </a:t>
+            </a:r>
+            <a:r>
+              <a:rPr lang="en-US" altLang="en-US" sz="2300" b="1">
+                <a:solidFill>
+                  <a:schemeClr val="tx1"/>
+                </a:solidFill>
+                <a:sym typeface="+mn-ea"/>
+              </a:rPr>
+              <a:t>складе</a:t>
+            </a:r>
+            <a:r>
+              <a:rPr lang="en-US" altLang="ru-RU" sz="2300" b="1">
+                <a:solidFill>
+                  <a:schemeClr val="tx1"/>
+                </a:solidFill>
+                <a:sym typeface="+mn-ea"/>
+              </a:rPr>
+              <a:t> </a:t>
+            </a:r>
+            <a:r>
+              <a:rPr lang="en-US" altLang="en-US" sz="2300" b="1">
+                <a:solidFill>
+                  <a:schemeClr val="tx1"/>
+                </a:solidFill>
+                <a:sym typeface="+mn-ea"/>
+              </a:rPr>
+              <a:t>молочной</a:t>
+            </a:r>
+            <a:r>
+              <a:rPr lang="en-US" altLang="ru-RU" sz="2300" b="1">
+                <a:solidFill>
+                  <a:schemeClr val="tx1"/>
+                </a:solidFill>
+                <a:sym typeface="+mn-ea"/>
+              </a:rPr>
+              <a:t> </a:t>
+            </a:r>
+            <a:r>
+              <a:rPr lang="en-US" altLang="en-US" sz="2300" b="1">
+                <a:solidFill>
+                  <a:schemeClr val="tx1"/>
+                </a:solidFill>
+                <a:sym typeface="+mn-ea"/>
+              </a:rPr>
+              <a:t>продукции</a:t>
+            </a:r>
+            <a:r>
+              <a:rPr lang="en-US" altLang="ru-RU" sz="2300" b="1">
+                <a:solidFill>
+                  <a:schemeClr val="tx1"/>
+                </a:solidFill>
+                <a:sym typeface="+mn-ea"/>
+              </a:rPr>
+              <a:t>.</a:t>
             </a:r>
             <a:br>
               <a:rPr lang="en-US" altLang="ru-RU" sz="2300" b="1">
@@ -3824,52 +3916,46 @@
                 <a:solidFill>
                   <a:schemeClr val="tx1"/>
                 </a:solidFill>
-                <a:sym typeface="+mn-ea"/>
-              </a:rPr>
-              <a:t>Опыт</a:t>
+              </a:rPr>
+              <a:t>Я</a:t>
             </a:r>
             <a:r>
               <a:rPr lang="en-US" altLang="ru-RU" sz="2300" b="1">
                 <a:solidFill>
                   <a:schemeClr val="tx1"/>
                 </a:solidFill>
-                <a:sym typeface="+mn-ea"/>
-              </a:rPr>
-              <a:t>: </a:t>
+              </a:rPr>
+              <a:t> </a:t>
             </a:r>
             <a:r>
               <a:rPr lang="en-US" altLang="en-US" sz="2300" b="1">
                 <a:solidFill>
                   <a:schemeClr val="tx1"/>
                 </a:solidFill>
-                <a:sym typeface="+mn-ea"/>
-              </a:rPr>
-              <a:t>У</a:t>
+              </a:rPr>
+              <a:t>увидел</a:t>
             </a:r>
             <a:r>
               <a:rPr lang="en-US" altLang="ru-RU" sz="2300" b="1">
                 <a:solidFill>
                   <a:schemeClr val="tx1"/>
                 </a:solidFill>
-                <a:sym typeface="+mn-ea"/>
-              </a:rPr>
-              <a:t> </a:t>
+              </a:rPr>
+              <a:t>, </a:t>
             </a:r>
             <a:r>
               <a:rPr lang="en-US" altLang="en-US" sz="2300" b="1">
                 <a:solidFill>
                   <a:schemeClr val="tx1"/>
                 </a:solidFill>
-                <a:sym typeface="+mn-ea"/>
-              </a:rPr>
-              <a:t>меня</a:t>
+              </a:rPr>
+              <a:t>как</a:t>
             </a:r>
             <a:r>
               <a:rPr lang="en-US" altLang="ru-RU" sz="2300" b="1">
                 <a:solidFill>
                   <a:schemeClr val="tx1"/>
                 </a:solidFill>
-                <a:sym typeface="+mn-ea"/>
               </a:rPr>
               <a:t> </a:t>
             </a:r>
@@ -3878,16 +3964,14 @@
                 <a:solidFill>
                   <a:schemeClr val="tx1"/>
                 </a:solidFill>
-                <a:sym typeface="+mn-ea"/>
-              </a:rPr>
-              <a:t>есть</a:t>
+              </a:rPr>
+              <a:t>много</a:t>
             </a:r>
             <a:r>
               <a:rPr lang="en-US" altLang="ru-RU" sz="2300" b="1">
                 <a:solidFill>
                   <a:schemeClr val="tx1"/>
                 </a:solidFill>
-                <a:sym typeface="+mn-ea"/>
               </a:rPr>
               <a:t> </a:t>
             </a:r>
@@ -3896,16 +3980,14 @@
                 <a:solidFill>
                   <a:schemeClr val="tx1"/>
                 </a:solidFill>
-                <a:sym typeface="+mn-ea"/>
-              </a:rPr>
-              <a:t>опыт</a:t>
+              </a:rPr>
+              <a:t>рутины</a:t>
             </a:r>
             <a:r>
               <a:rPr lang="en-US" altLang="ru-RU" sz="2300" b="1">
                 <a:solidFill>
                   <a:schemeClr val="tx1"/>
                 </a:solidFill>
-                <a:sym typeface="+mn-ea"/>
               </a:rPr>
               <a:t> </a:t>
             </a:r>
@@ -3914,16 +3996,14 @@
                 <a:solidFill>
                   <a:schemeClr val="tx1"/>
                 </a:solidFill>
-                <a:sym typeface="+mn-ea"/>
-              </a:rPr>
-              <a:t>работы</a:t>
+              </a:rPr>
+              <a:t>можно</a:t>
             </a:r>
             <a:r>
               <a:rPr lang="en-US" altLang="ru-RU" sz="2300" b="1">
                 <a:solidFill>
                   <a:schemeClr val="tx1"/>
                 </a:solidFill>
-                <a:sym typeface="+mn-ea"/>
               </a:rPr>
               <a:t> </a:t>
             </a:r>
@@ -3932,16 +4012,14 @@
                 <a:solidFill>
                   <a:schemeClr val="tx1"/>
                 </a:solidFill>
-                <a:sym typeface="+mn-ea"/>
-              </a:rPr>
-              <a:t>помощником</a:t>
+              </a:rPr>
+              <a:t>автоматизировать</a:t>
             </a:r>
             <a:r>
               <a:rPr lang="en-US" altLang="ru-RU" sz="2300" b="1">
                 <a:solidFill>
                   <a:schemeClr val="tx1"/>
                 </a:solidFill>
-                <a:sym typeface="+mn-ea"/>
               </a:rPr>
               <a:t> </a:t>
             </a:r>
@@ -3950,16 +4028,14 @@
                 <a:solidFill>
                   <a:schemeClr val="tx1"/>
                 </a:solidFill>
-                <a:sym typeface="+mn-ea"/>
-              </a:rPr>
-              <a:t>кладовщика</a:t>
+              </a:rPr>
+              <a:t>с</a:t>
             </a:r>
             <a:r>
               <a:rPr lang="en-US" altLang="ru-RU" sz="2300" b="1">
                 <a:solidFill>
                   <a:schemeClr val="tx1"/>
                 </a:solidFill>
-                <a:sym typeface="+mn-ea"/>
               </a:rPr>
               <a:t> </a:t>
             </a:r>
@@ -3968,16 +4044,14 @@
                 <a:solidFill>
                   <a:schemeClr val="tx1"/>
                 </a:solidFill>
-                <a:sym typeface="+mn-ea"/>
-              </a:rPr>
-              <a:t>на</a:t>
+              </a:rPr>
+              <a:t>помощью</a:t>
             </a:r>
             <a:r>
               <a:rPr lang="en-US" altLang="ru-RU" sz="2300" b="1">
                 <a:solidFill>
                   <a:schemeClr val="tx1"/>
                 </a:solidFill>
-                <a:sym typeface="+mn-ea"/>
               </a:rPr>
               <a:t> </a:t>
             </a:r>
@@ -3986,34 +4060,30 @@
                 <a:solidFill>
                   <a:schemeClr val="tx1"/>
                 </a:solidFill>
-                <a:sym typeface="+mn-ea"/>
-              </a:rPr>
-              <a:t>складе</a:t>
+              </a:rPr>
+              <a:t>кода</a:t>
             </a:r>
             <a:r>
               <a:rPr lang="en-US" altLang="ru-RU" sz="2300" b="1">
                 <a:solidFill>
                   <a:schemeClr val="tx1"/>
                 </a:solidFill>
-                <a:sym typeface="+mn-ea"/>
-              </a:rPr>
-              <a:t> </a:t>
+              </a:rPr>
+              <a:t>. </a:t>
             </a:r>
             <a:r>
               <a:rPr lang="en-US" altLang="en-US" sz="2300" b="1">
                 <a:solidFill>
                   <a:schemeClr val="tx1"/>
                 </a:solidFill>
-                <a:sym typeface="+mn-ea"/>
-              </a:rPr>
-              <a:t>молочной</a:t>
+              </a:rPr>
+              <a:t>Мне</a:t>
             </a:r>
             <a:r>
               <a:rPr lang="en-US" altLang="ru-RU" sz="2300" b="1">
                 <a:solidFill>
                   <a:schemeClr val="tx1"/>
                 </a:solidFill>
-                <a:sym typeface="+mn-ea"/>
               </a:rPr>
               <a:t> </a:t>
             </a:r>
@@ -4022,86 +4092,126 @@
                 <a:solidFill>
                   <a:schemeClr val="tx1"/>
                 </a:solidFill>
-                <a:sym typeface="+mn-ea"/>
-              </a:rPr>
-              <a:t>продукции</a:t>
+              </a:rPr>
+              <a:t>всегда</a:t>
             </a:r>
             <a:r>
               <a:rPr lang="en-US" altLang="ru-RU" sz="2300" b="1">
                 <a:solidFill>
                   <a:schemeClr val="tx1"/>
                 </a:solidFill>
-                <a:sym typeface="+mn-ea"/>
-              </a:rPr>
-              <a:t>.</a:t>
-            </a:r>
-            <a:br>
+              </a:rPr>
+              <a:t> </a:t>
+            </a:r>
+            <a:r>
+              <a:rPr lang="en-US" altLang="en-US" sz="2300" b="1">
+                <a:solidFill>
+                  <a:schemeClr val="tx1"/>
+                </a:solidFill>
+              </a:rPr>
+              <a:t>нравилось</a:t>
+            </a:r>
+            <a:r>
               <a:rPr lang="en-US" altLang="ru-RU" sz="2300" b="1">
                 <a:solidFill>
                   <a:schemeClr val="tx1"/>
                 </a:solidFill>
-                <a:sym typeface="+mn-ea"/>
-              </a:rPr>
-            </a:br>
-            <a:br>
+              </a:rPr>
+              <a:t> </a:t>
+            </a:r>
+            <a:r>
+              <a:rPr lang="en-US" altLang="en-US" sz="2300" b="1">
+                <a:solidFill>
+                  <a:schemeClr val="tx1"/>
+                </a:solidFill>
+              </a:rPr>
+              <a:t>решать</a:t>
+            </a:r>
+            <a:r>
               <a:rPr lang="en-US" altLang="ru-RU" sz="2300" b="1">
                 <a:solidFill>
                   <a:schemeClr val="tx1"/>
                 </a:solidFill>
-                <a:sym typeface="+mn-ea"/>
-              </a:rPr>
-            </a:br>
+              </a:rPr>
+              <a:t> </a:t>
+            </a:r>
             <a:r>
               <a:rPr lang="en-US" altLang="en-US" sz="2300" b="1">
                 <a:solidFill>
                   <a:schemeClr val="tx1"/>
                 </a:solidFill>
-                <a:sym typeface="+mn-ea"/>
-              </a:rPr>
-              <a:t>Мотивация</a:t>
+              </a:rPr>
+              <a:t>сложные</a:t>
             </a:r>
             <a:r>
               <a:rPr lang="en-US" altLang="ru-RU" sz="2300" b="1">
                 <a:solidFill>
                   <a:schemeClr val="tx1"/>
                 </a:solidFill>
-                <a:sym typeface="+mn-ea"/>
-              </a:rPr>
-              <a:t>: </a:t>
+              </a:rPr>
+              <a:t> </a:t>
             </a:r>
             <a:r>
               <a:rPr lang="en-US" altLang="en-US" sz="2300" b="1">
                 <a:solidFill>
                   <a:schemeClr val="tx1"/>
                 </a:solidFill>
-                <a:sym typeface="+mn-ea"/>
-              </a:rPr>
-              <a:t>Я</a:t>
+              </a:rPr>
+              <a:t>задачи</a:t>
             </a:r>
             <a:r>
               <a:rPr lang="en-US" altLang="ru-RU" sz="2300" b="1">
                 <a:solidFill>
                   <a:schemeClr val="tx1"/>
                 </a:solidFill>
-                <a:sym typeface="+mn-ea"/>
-              </a:rPr>
-              <a:t> </a:t>
+              </a:rPr>
+              <a:t>, </a:t>
             </a:r>
             <a:r>
               <a:rPr lang="en-US" altLang="en-US" sz="2300" b="1">
                 <a:solidFill>
                   <a:schemeClr val="tx1"/>
                 </a:solidFill>
-                <a:sym typeface="+mn-ea"/>
-              </a:rPr>
-              <a:t>увидел</a:t>
+              </a:rPr>
+              <a:t>и</a:t>
             </a:r>
             <a:r>
               <a:rPr lang="en-US" altLang="ru-RU" sz="2300" b="1">
                 <a:solidFill>
                   <a:schemeClr val="tx1"/>
                 </a:solidFill>
-                <a:sym typeface="+mn-ea"/>
+              </a:rPr>
+              <a:t> </a:t>
+            </a:r>
+            <a:r>
+              <a:rPr lang="en-US" altLang="en-US" sz="2300" b="1">
+                <a:solidFill>
+                  <a:schemeClr val="tx1"/>
+                </a:solidFill>
+              </a:rPr>
+              <a:t>я</a:t>
+            </a:r>
+            <a:r>
+              <a:rPr lang="en-US" altLang="ru-RU" sz="2300" b="1">
+                <a:solidFill>
+                  <a:schemeClr val="tx1"/>
+                </a:solidFill>
+              </a:rPr>
+              <a:t> </a:t>
+            </a:r>
+            <a:r>
+              <a:rPr lang="en-US" altLang="en-US" sz="2300" b="1">
+                <a:solidFill>
+                  <a:schemeClr val="tx1"/>
+                </a:solidFill>
+              </a:rPr>
+              <a:t>верю</a:t>
+            </a:r>
+            <a:r>
+              <a:rPr lang="en-US" altLang="ru-RU" sz="2300" b="1">
+                <a:solidFill>
+                  <a:schemeClr val="tx1"/>
+                </a:solidFill>
               </a:rPr>
               <a:t>, </a:t>
             </a:r>
@@ -4110,16 +4220,14 @@
                 <a:solidFill>
                   <a:schemeClr val="tx1"/>
                 </a:solidFill>
-                <a:sym typeface="+mn-ea"/>
-              </a:rPr>
-              <a:t>как</a:t>
+              </a:rPr>
+              <a:t>что</a:t>
             </a:r>
             <a:r>
               <a:rPr lang="en-US" altLang="ru-RU" sz="2300" b="1">
                 <a:solidFill>
                   <a:schemeClr val="tx1"/>
                 </a:solidFill>
-                <a:sym typeface="+mn-ea"/>
               </a:rPr>
               <a:t> </a:t>
             </a:r>
@@ -4128,16 +4236,14 @@
                 <a:solidFill>
                   <a:schemeClr val="tx1"/>
                 </a:solidFill>
-                <a:sym typeface="+mn-ea"/>
-              </a:rPr>
-              <a:t>много</a:t>
+              </a:rPr>
+              <a:t>работа</a:t>
             </a:r>
             <a:r>
               <a:rPr lang="en-US" altLang="ru-RU" sz="2300" b="1">
                 <a:solidFill>
                   <a:schemeClr val="tx1"/>
                 </a:solidFill>
-                <a:sym typeface="+mn-ea"/>
               </a:rPr>
               <a:t> </a:t>
             </a:r>
@@ -4146,16 +4252,14 @@
                 <a:solidFill>
                   <a:schemeClr val="tx1"/>
                 </a:solidFill>
-                <a:sym typeface="+mn-ea"/>
-              </a:rPr>
-              <a:t>данных</a:t>
+              </a:rPr>
+              <a:t>с</a:t>
             </a:r>
             <a:r>
               <a:rPr lang="en-US" altLang="ru-RU" sz="2300" b="1">
                 <a:solidFill>
                   <a:schemeClr val="tx1"/>
                 </a:solidFill>
-                <a:sym typeface="+mn-ea"/>
               </a:rPr>
               <a:t> </a:t>
             </a:r>
@@ -4164,16 +4268,14 @@
                 <a:solidFill>
                   <a:schemeClr val="tx1"/>
                 </a:solidFill>
-                <a:sym typeface="+mn-ea"/>
-              </a:rPr>
-              <a:t>генерируется</a:t>
+              </a:rPr>
+              <a:t>данными</a:t>
             </a:r>
             <a:r>
               <a:rPr lang="en-US" altLang="ru-RU" sz="2300" b="1">
                 <a:solidFill>
                   <a:schemeClr val="tx1"/>
                 </a:solidFill>
-                <a:sym typeface="+mn-ea"/>
               </a:rPr>
               <a:t> </a:t>
             </a:r>
@@ -4182,16 +4284,14 @@
                 <a:solidFill>
                   <a:schemeClr val="tx1"/>
                 </a:solidFill>
-                <a:sym typeface="+mn-ea"/>
-              </a:rPr>
-              <a:t>в</a:t>
+              </a:rPr>
+              <a:t>позволит</a:t>
             </a:r>
             <a:r>
               <a:rPr lang="en-US" altLang="ru-RU" sz="2300" b="1">
                 <a:solidFill>
                   <a:schemeClr val="tx1"/>
                 </a:solidFill>
-                <a:sym typeface="+mn-ea"/>
               </a:rPr>
               <a:t> </a:t>
             </a:r>
@@ -4200,16 +4300,14 @@
                 <a:solidFill>
                   <a:schemeClr val="tx1"/>
                 </a:solidFill>
-                <a:sym typeface="+mn-ea"/>
-              </a:rPr>
-              <a:t>реальных</a:t>
+              </a:rPr>
+              <a:t>мне</a:t>
             </a:r>
             <a:r>
               <a:rPr lang="en-US" altLang="ru-RU" sz="2300" b="1">
                 <a:solidFill>
                   <a:schemeClr val="tx1"/>
                 </a:solidFill>
-                <a:sym typeface="+mn-ea"/>
               </a:rPr>
               <a:t> </a:t>
             </a:r>
@@ -4218,16 +4316,46 @@
                 <a:solidFill>
                   <a:schemeClr val="tx1"/>
                 </a:solidFill>
-                <a:sym typeface="+mn-ea"/>
-              </a:rPr>
-              <a:t>процессах</a:t>
+              </a:rPr>
+              <a:t>не</a:t>
             </a:r>
             <a:r>
               <a:rPr lang="en-US" altLang="ru-RU" sz="2300" b="1">
                 <a:solidFill>
                   <a:schemeClr val="tx1"/>
                 </a:solidFill>
-                <a:sym typeface="+mn-ea"/>
+              </a:rPr>
+              <a:t> </a:t>
+            </a:r>
+            <a:r>
+              <a:rPr lang="en-US" altLang="en-US" sz="2300" b="1">
+                <a:solidFill>
+                  <a:schemeClr val="tx1"/>
+                </a:solidFill>
+              </a:rPr>
+              <a:t>только</a:t>
+            </a:r>
+            <a:r>
+              <a:rPr lang="en-US" altLang="ru-RU" sz="2300" b="1">
+                <a:solidFill>
+                  <a:schemeClr val="tx1"/>
+                </a:solidFill>
+              </a:rPr>
+              <a:t> </a:t>
+            </a:r>
+            <a:r>
+              <a:rPr lang="en-US" altLang="en-US" sz="2300" b="1">
+                <a:solidFill>
+                  <a:schemeClr val="tx1"/>
+                </a:solidFill>
+              </a:rPr>
+              <a:t>зарабатывать</a:t>
+            </a:r>
+            <a:r>
+              <a:rPr lang="en-US" altLang="ru-RU" sz="2300" b="1">
+                <a:solidFill>
+                  <a:schemeClr val="tx1"/>
+                </a:solidFill>
               </a:rPr>
               <a:t>, </a:t>
             </a:r>
@@ -4236,7 +4364,22 @@
                 <a:solidFill>
                   <a:schemeClr val="tx1"/>
                 </a:solidFill>
-                <a:sym typeface="+mn-ea"/>
+              </a:rPr>
+              <a:t>но</a:t>
+            </a:r>
+            <a:r>
+              <a:rPr lang="en-US" altLang="ru-RU" sz="2300" b="1">
+                <a:solidFill>
+                  <a:schemeClr val="tx1"/>
+                </a:solidFill>
+              </a:rPr>
+              <a:t> </a:t>
+            </a:r>
+            <a:r>
+              <a:rPr lang="en-US" altLang="en-US" sz="2300" b="1">
+                <a:solidFill>
+                  <a:schemeClr val="tx1"/>
+                </a:solidFill>
               </a:rPr>
               <a:t>и</a:t>
             </a:r>
@@ -4245,7 +4388,6 @@
                 <a:solidFill>
                   <a:schemeClr val="tx1"/>
                 </a:solidFill>
-                <a:sym typeface="+mn-ea"/>
               </a:rPr>
               <a:t> </a:t>
             </a:r>
@@ -4254,16 +4396,30 @@
                 <a:solidFill>
                   <a:schemeClr val="tx1"/>
                 </a:solidFill>
-                <a:sym typeface="+mn-ea"/>
-              </a:rPr>
-              <a:t>понял</a:t>
+              </a:rPr>
+              <a:t>заниматься</a:t>
             </a:r>
             <a:r>
               <a:rPr lang="en-US" altLang="ru-RU" sz="2300" b="1">
                 <a:solidFill>
                   <a:schemeClr val="tx1"/>
                 </a:solidFill>
-                <a:sym typeface="+mn-ea"/>
+              </a:rPr>
+              <a:t> </a:t>
+            </a:r>
+            <a:r>
+              <a:rPr lang="en-US" altLang="en-US" sz="2300" b="1">
+                <a:solidFill>
+                  <a:schemeClr val="tx1"/>
+                </a:solidFill>
+              </a:rPr>
+              <a:t>тем</a:t>
+            </a:r>
+            <a:r>
+              <a:rPr lang="en-US" altLang="ru-RU" sz="2300" b="1">
+                <a:solidFill>
+                  <a:schemeClr val="tx1"/>
+                </a:solidFill>
               </a:rPr>
               <a:t>, </a:t>
             </a:r>
@@ -4272,7 +4428,6 @@
                 <a:solidFill>
                   <a:schemeClr val="tx1"/>
                 </a:solidFill>
-                <a:sym typeface="+mn-ea"/>
               </a:rPr>
               <a:t>что</a:t>
             </a:r>
@@ -4281,7 +4436,6 @@
                 <a:solidFill>
                   <a:schemeClr val="tx1"/>
                 </a:solidFill>
-                <a:sym typeface="+mn-ea"/>
               </a:rPr>
               <a:t> </a:t>
             </a:r>
@@ -4290,16 +4444,14 @@
                 <a:solidFill>
                   <a:schemeClr val="tx1"/>
                 </a:solidFill>
-                <a:sym typeface="+mn-ea"/>
-              </a:rPr>
-              <a:t>их</a:t>
+              </a:rPr>
+              <a:t>действительно</a:t>
             </a:r>
             <a:r>
               <a:rPr lang="en-US" altLang="ru-RU" sz="2300" b="1">
                 <a:solidFill>
                   <a:schemeClr val="tx1"/>
                 </a:solidFill>
-                <a:sym typeface="+mn-ea"/>
               </a:rPr>
               <a:t> </a:t>
             </a:r>
@@ -4308,34 +4460,30 @@
                 <a:solidFill>
                   <a:schemeClr val="tx1"/>
                 </a:solidFill>
-                <a:sym typeface="+mn-ea"/>
-              </a:rPr>
-              <a:t>можно</a:t>
+              </a:rPr>
+              <a:t>интересно</a:t>
             </a:r>
             <a:r>
               <a:rPr lang="en-US" altLang="ru-RU" sz="2300" b="1">
                 <a:solidFill>
                   <a:schemeClr val="tx1"/>
                 </a:solidFill>
-                <a:sym typeface="+mn-ea"/>
-              </a:rPr>
-              <a:t> </a:t>
+              </a:rPr>
+              <a:t> — </a:t>
             </a:r>
             <a:r>
               <a:rPr lang="en-US" altLang="en-US" sz="2300" b="1">
                 <a:solidFill>
                   <a:schemeClr val="tx1"/>
                 </a:solidFill>
-                <a:sym typeface="+mn-ea"/>
-              </a:rPr>
-              <a:t>использовать</a:t>
+              </a:rPr>
+              <a:t>создавать</a:t>
             </a:r>
             <a:r>
               <a:rPr lang="en-US" altLang="ru-RU" sz="2300" b="1">
                 <a:solidFill>
                   <a:schemeClr val="tx1"/>
                 </a:solidFill>
-                <a:sym typeface="+mn-ea"/>
               </a:rPr>
               <a:t> </a:t>
             </a:r>
@@ -4344,16 +4492,14 @@
                 <a:solidFill>
                   <a:schemeClr val="tx1"/>
                 </a:solidFill>
-                <a:sym typeface="+mn-ea"/>
-              </a:rPr>
-              <a:t>для</a:t>
+              </a:rPr>
+              <a:t>умные</a:t>
             </a:r>
             <a:r>
               <a:rPr lang="en-US" altLang="ru-RU" sz="2300" b="1">
                 <a:solidFill>
                   <a:schemeClr val="tx1"/>
                 </a:solidFill>
-                <a:sym typeface="+mn-ea"/>
               </a:rPr>
               <a:t> </a:t>
             </a:r>
@@ -4362,16 +4508,14 @@
                 <a:solidFill>
                   <a:schemeClr val="tx1"/>
                 </a:solidFill>
-                <a:sym typeface="+mn-ea"/>
-              </a:rPr>
-              <a:t>улучшения</a:t>
+              </a:rPr>
+              <a:t>и</a:t>
             </a:r>
             <a:r>
               <a:rPr lang="en-US" altLang="ru-RU" sz="2300" b="1">
                 <a:solidFill>
                   <a:schemeClr val="tx1"/>
                 </a:solidFill>
-                <a:sym typeface="+mn-ea"/>
               </a:rPr>
               <a:t> </a:t>
             </a:r>
@@ -4380,52 +4524,46 @@
                 <a:solidFill>
                   <a:schemeClr val="tx1"/>
                 </a:solidFill>
-                <a:sym typeface="+mn-ea"/>
-              </a:rPr>
-              <a:t>эффективности</a:t>
+              </a:rPr>
+              <a:t>эффективные</a:t>
             </a:r>
             <a:r>
               <a:rPr lang="en-US" altLang="ru-RU" sz="2300" b="1">
                 <a:solidFill>
                   <a:schemeClr val="tx1"/>
                 </a:solidFill>
-                <a:sym typeface="+mn-ea"/>
-              </a:rPr>
-              <a:t>. </a:t>
+              </a:rPr>
+              <a:t> </a:t>
             </a:r>
             <a:r>
               <a:rPr lang="en-US" altLang="en-US" sz="2300" b="1">
                 <a:solidFill>
                   <a:schemeClr val="tx1"/>
                 </a:solidFill>
-                <a:sym typeface="+mn-ea"/>
-              </a:rPr>
-              <a:t>Это</a:t>
+              </a:rPr>
+              <a:t>решения</a:t>
             </a:r>
             <a:r>
               <a:rPr lang="en-US" altLang="ru-RU" sz="2300" b="1">
                 <a:solidFill>
                   <a:schemeClr val="tx1"/>
                 </a:solidFill>
-                <a:sym typeface="+mn-ea"/>
-              </a:rPr>
-              <a:t> </a:t>
+              </a:rPr>
+              <a:t>, </a:t>
             </a:r>
             <a:r>
               <a:rPr lang="en-US" altLang="en-US" sz="2300" b="1">
                 <a:solidFill>
                   <a:schemeClr val="tx1"/>
                 </a:solidFill>
-                <a:sym typeface="+mn-ea"/>
-              </a:rPr>
-              <a:t>побудило</a:t>
+              </a:rPr>
+              <a:t>которые</a:t>
             </a:r>
             <a:r>
               <a:rPr lang="en-US" altLang="ru-RU" sz="2300" b="1">
                 <a:solidFill>
                   <a:schemeClr val="tx1"/>
                 </a:solidFill>
-                <a:sym typeface="+mn-ea"/>
               </a:rPr>
               <a:t> </a:t>
             </a:r>
@@ -4434,16 +4572,14 @@
                 <a:solidFill>
                   <a:schemeClr val="tx1"/>
                 </a:solidFill>
-                <a:sym typeface="+mn-ea"/>
-              </a:rPr>
-              <a:t>меня</a:t>
+              </a:rPr>
+              <a:t>делают</a:t>
             </a:r>
             <a:r>
               <a:rPr lang="en-US" altLang="ru-RU" sz="2300" b="1">
                 <a:solidFill>
                   <a:schemeClr val="tx1"/>
                 </a:solidFill>
-                <a:sym typeface="+mn-ea"/>
               </a:rPr>
               <a:t> </a:t>
             </a:r>
@@ -4452,16 +4588,14 @@
                 <a:solidFill>
                   <a:schemeClr val="tx1"/>
                 </a:solidFill>
-                <a:sym typeface="+mn-ea"/>
-              </a:rPr>
-              <a:t>перейти</a:t>
+              </a:rPr>
+              <a:t>работу</a:t>
             </a:r>
             <a:r>
               <a:rPr lang="en-US" altLang="ru-RU" sz="2300" b="1">
                 <a:solidFill>
                   <a:schemeClr val="tx1"/>
                 </a:solidFill>
-                <a:sym typeface="+mn-ea"/>
               </a:rPr>
               <a:t> </a:t>
             </a:r>
@@ -4470,214 +4604,14 @@
                 <a:solidFill>
                   <a:schemeClr val="tx1"/>
                 </a:solidFill>
-                <a:sym typeface="+mn-ea"/>
-              </a:rPr>
-              <a:t>в</a:t>
+              </a:rPr>
+              <a:t>проще</a:t>
             </a:r>
             <a:r>
               <a:rPr lang="en-US" altLang="ru-RU" sz="2300" b="1">
                 <a:solidFill>
                   <a:schemeClr val="tx1"/>
                 </a:solidFill>
-                <a:sym typeface="+mn-ea"/>
-              </a:rPr>
-              <a:t> </a:t>
-            </a:r>
-            <a:r>
-              <a:rPr lang="en-US" altLang="en-US" sz="2300" b="1">
-                <a:solidFill>
-                  <a:schemeClr val="tx1"/>
-                </a:solidFill>
-                <a:sym typeface="+mn-ea"/>
-              </a:rPr>
-              <a:t>сферу</a:t>
-            </a:r>
-            <a:r>
-              <a:rPr lang="en-US" altLang="ru-RU" sz="2300" b="1">
-                <a:solidFill>
-                  <a:schemeClr val="tx1"/>
-                </a:solidFill>
-                <a:sym typeface="+mn-ea"/>
-              </a:rPr>
-              <a:t> </a:t>
-            </a:r>
-            <a:r>
-              <a:rPr lang="en-US" altLang="en-US" sz="2300" b="1">
-                <a:solidFill>
-                  <a:schemeClr val="tx1"/>
-                </a:solidFill>
-                <a:sym typeface="+mn-ea"/>
-              </a:rPr>
-              <a:t>данных</a:t>
-            </a:r>
-            <a:r>
-              <a:rPr lang="en-US" altLang="ru-RU" sz="2300" b="1">
-                <a:solidFill>
-                  <a:schemeClr val="tx1"/>
-                </a:solidFill>
-                <a:sym typeface="+mn-ea"/>
-              </a:rPr>
-              <a:t>, </a:t>
-            </a:r>
-            <a:r>
-              <a:rPr lang="en-US" altLang="en-US" sz="2300" b="1">
-                <a:solidFill>
-                  <a:schemeClr val="tx1"/>
-                </a:solidFill>
-                <a:sym typeface="+mn-ea"/>
-              </a:rPr>
-              <a:t>чтобы</a:t>
-            </a:r>
-            <a:r>
-              <a:rPr lang="en-US" altLang="ru-RU" sz="2300" b="1">
-                <a:solidFill>
-                  <a:schemeClr val="tx1"/>
-                </a:solidFill>
-                <a:sym typeface="+mn-ea"/>
-              </a:rPr>
-              <a:t> </a:t>
-            </a:r>
-            <a:r>
-              <a:rPr lang="en-US" altLang="en-US" sz="2300" b="1">
-                <a:solidFill>
-                  <a:schemeClr val="tx1"/>
-                </a:solidFill>
-                <a:sym typeface="+mn-ea"/>
-              </a:rPr>
-              <a:t>делать</a:t>
-            </a:r>
-            <a:r>
-              <a:rPr lang="en-US" altLang="ru-RU" sz="2300" b="1">
-                <a:solidFill>
-                  <a:schemeClr val="tx1"/>
-                </a:solidFill>
-                <a:sym typeface="+mn-ea"/>
-              </a:rPr>
-              <a:t> </a:t>
-            </a:r>
-            <a:r>
-              <a:rPr lang="en-US" altLang="en-US" sz="2300" b="1">
-                <a:solidFill>
-                  <a:schemeClr val="tx1"/>
-                </a:solidFill>
-                <a:sym typeface="+mn-ea"/>
-              </a:rPr>
-              <a:t>системы</a:t>
-            </a:r>
-            <a:r>
-              <a:rPr lang="en-US" altLang="ru-RU" sz="2300" b="1">
-                <a:solidFill>
-                  <a:schemeClr val="tx1"/>
-                </a:solidFill>
-                <a:sym typeface="+mn-ea"/>
-              </a:rPr>
-              <a:t> </a:t>
-            </a:r>
-            <a:r>
-              <a:rPr lang="en-US" altLang="en-US" sz="2300" b="1">
-                <a:solidFill>
-                  <a:schemeClr val="tx1"/>
-                </a:solidFill>
-                <a:sym typeface="+mn-ea"/>
-              </a:rPr>
-              <a:t>умнее</a:t>
-            </a:r>
-            <a:r>
-              <a:rPr lang="en-US" altLang="ru-RU" sz="2300" b="1">
-                <a:solidFill>
-                  <a:schemeClr val="tx1"/>
-                </a:solidFill>
-                <a:sym typeface="+mn-ea"/>
-              </a:rPr>
-              <a:t> </a:t>
-            </a:r>
-            <a:r>
-              <a:rPr lang="en-US" altLang="en-US" sz="2300" b="1">
-                <a:solidFill>
-                  <a:schemeClr val="tx1"/>
-                </a:solidFill>
-                <a:sym typeface="+mn-ea"/>
-              </a:rPr>
-              <a:t>и</a:t>
-            </a:r>
-            <a:r>
-              <a:rPr lang="en-US" altLang="ru-RU" sz="2300" b="1">
-                <a:solidFill>
-                  <a:schemeClr val="tx1"/>
-                </a:solidFill>
-                <a:sym typeface="+mn-ea"/>
-              </a:rPr>
-              <a:t> </a:t>
-            </a:r>
-            <a:r>
-              <a:rPr lang="en-US" altLang="en-US" sz="2300" b="1">
-                <a:solidFill>
-                  <a:schemeClr val="tx1"/>
-                </a:solidFill>
-                <a:sym typeface="+mn-ea"/>
-              </a:rPr>
-              <a:t>принимать</a:t>
-            </a:r>
-            <a:r>
-              <a:rPr lang="en-US" altLang="ru-RU" sz="2300" b="1">
-                <a:solidFill>
-                  <a:schemeClr val="tx1"/>
-                </a:solidFill>
-                <a:sym typeface="+mn-ea"/>
-              </a:rPr>
-              <a:t> </a:t>
-            </a:r>
-            <a:r>
-              <a:rPr lang="en-US" altLang="en-US" sz="2300" b="1">
-                <a:solidFill>
-                  <a:schemeClr val="tx1"/>
-                </a:solidFill>
-                <a:sym typeface="+mn-ea"/>
-              </a:rPr>
-              <a:t>более</a:t>
-            </a:r>
-            <a:r>
-              <a:rPr lang="en-US" altLang="ru-RU" sz="2300" b="1">
-                <a:solidFill>
-                  <a:schemeClr val="tx1"/>
-                </a:solidFill>
-                <a:sym typeface="+mn-ea"/>
-              </a:rPr>
-              <a:t> </a:t>
-            </a:r>
-            <a:r>
-              <a:rPr lang="en-US" altLang="en-US" sz="2300" b="1">
-                <a:solidFill>
-                  <a:schemeClr val="tx1"/>
-                </a:solidFill>
-                <a:sym typeface="+mn-ea"/>
-              </a:rPr>
-              <a:t>точные</a:t>
-            </a:r>
-            <a:r>
-              <a:rPr lang="en-US" altLang="ru-RU" sz="2300" b="1">
-                <a:solidFill>
-                  <a:schemeClr val="tx1"/>
-                </a:solidFill>
-                <a:sym typeface="+mn-ea"/>
-              </a:rPr>
-              <a:t> </a:t>
-            </a:r>
-            <a:r>
-              <a:rPr lang="en-US" altLang="en-US" sz="2300" b="1">
-                <a:solidFill>
-                  <a:schemeClr val="tx1"/>
-                </a:solidFill>
-                <a:sym typeface="+mn-ea"/>
-              </a:rPr>
-              <a:t>решения</a:t>
-            </a:r>
-            <a:r>
-              <a:rPr lang="en-US" altLang="ru-RU" sz="2300" b="1">
-                <a:solidFill>
-                  <a:schemeClr val="tx1"/>
-                </a:solidFill>
-                <a:sym typeface="+mn-ea"/>
               </a:rPr>
               <a:t>.</a:t>
             </a:r>
@@ -4701,6 +4635,7 @@
   <p:clrMapOvr>
     <a:masterClrMapping/>
   </p:clrMapOvr>
+  <p:transition advTm="42424"/>
 </p:sld>
 </file>
 
@@ -4739,18 +4674,6 @@
               <a:rPr lang="en-US" altLang="en-US">
                 <a:sym typeface="+mn-ea"/>
               </a:rPr>
-              <a:t>Заголовок</a:t>
-            </a:r>
-            <a:r>
-              <a:rPr lang="en-US" altLang="ru-RU">
-                <a:sym typeface="+mn-ea"/>
-              </a:rPr>
-              <a:t>: </a:t>
-            </a:r>
-            <a:r>
-              <a:rPr lang="en-US" altLang="en-US">
-                <a:sym typeface="+mn-ea"/>
-              </a:rPr>
               <a:t>Мой</a:t>
             </a:r>
             <a:r>
@@ -4794,223 +4717,215 @@
         <p:spPr/>
         <p:txBody>
           <a:bodyPr>
-            <a:normAutofit fontScale="60000"/>
+            <a:normAutofit fontScale="25000"/>
           </a:bodyPr>
           <a:p>
             <a:endParaRPr lang="en-US" altLang="ru-RU"/>
           </a:p>
           <a:p>
             <a:r>
-              <a:rPr lang="en-US" altLang="ru-RU"/>
+              <a:rPr lang="en-US" altLang="ru-RU" sz="8000"/>
               <a:t>Python: </a:t>
             </a:r>
             <a:r>
-              <a:rPr lang="en-US" altLang="en-US"/>
+              <a:rPr lang="en-US" altLang="en-US" sz="8000"/>
               <a:t>Знаю</a:t>
             </a:r>
             <a:r>
-              <a:rPr lang="en-US" altLang="ru-RU"/>
-              <a:t> </a:t>
-            </a:r>
-            <a:r>
-              <a:rPr lang="en-US" altLang="en-US"/>
+              <a:rPr lang="en-US" altLang="ru-RU" sz="8000"/>
+              <a:t> </a:t>
+            </a:r>
+            <a:r>
+              <a:rPr lang="en-US" altLang="en-US" sz="8000"/>
               <a:t>основы</a:t>
             </a:r>
             <a:r>
-              <a:rPr lang="en-US" altLang="ru-RU"/>
-              <a:t> </a:t>
-            </a:r>
-            <a:r>
-              <a:rPr lang="en-US" altLang="en-US"/>
+              <a:rPr lang="en-US" altLang="ru-RU" sz="8000"/>
+              <a:t> </a:t>
+            </a:r>
+            <a:r>
+              <a:rPr lang="en-US" altLang="en-US" sz="8000"/>
               <a:t>языка</a:t>
             </a:r>
             <a:r>
-              <a:rPr lang="en-US" altLang="ru-RU"/>
+              <a:rPr lang="en-US" altLang="ru-RU" sz="8000"/>
               <a:t>, </a:t>
             </a:r>
             <a:r>
-              <a:rPr lang="en-US" altLang="en-US"/>
+              <a:rPr lang="en-US" altLang="en-US" sz="8000"/>
               <a:t>умею</a:t>
             </a:r>
             <a:r>
-              <a:rPr lang="en-US" altLang="ru-RU"/>
-              <a:t> </a:t>
-            </a:r>
-            <a:r>
-              <a:rPr lang="en-US" altLang="en-US"/>
+              <a:rPr lang="en-US" altLang="ru-RU" sz="8000"/>
+              <a:t> </a:t>
+            </a:r>
+            <a:r>
+              <a:rPr lang="en-US" altLang="en-US" sz="8000"/>
               <a:t>работать</a:t>
             </a:r>
             <a:r>
-              <a:rPr lang="en-US" altLang="ru-RU"/>
-              <a:t> </a:t>
-            </a:r>
-            <a:r>
-              <a:rPr lang="en-US" altLang="en-US"/>
+              <a:rPr lang="en-US" altLang="ru-RU" sz="8000"/>
+              <a:t> </a:t>
+            </a:r>
+            <a:r>
+              <a:rPr lang="en-US" altLang="en-US" sz="8000"/>
               <a:t>с</a:t>
             </a:r>
             <a:r>
-              <a:rPr lang="en-US" altLang="ru-RU"/>
-              <a:t> </a:t>
-            </a:r>
-            <a:r>
-              <a:rPr lang="en-US" altLang="en-US"/>
+              <a:rPr lang="en-US" altLang="ru-RU" sz="8000"/>
+              <a:t> </a:t>
+            </a:r>
+            <a:r>
+              <a:rPr lang="en-US" altLang="en-US" sz="8000"/>
               <a:t>функциями</a:t>
             </a:r>
             <a:r>
-              <a:rPr lang="en-US" altLang="ru-RU"/>
-              <a:t> </a:t>
-            </a:r>
-            <a:r>
-              <a:rPr lang="en-US" altLang="en-US"/>
+              <a:rPr lang="en-US" altLang="ru-RU" sz="8000"/>
+              <a:t> </a:t>
+            </a:r>
+            <a:r>
+              <a:rPr lang="en-US" altLang="en-US" sz="8000"/>
               <a:t>и</a:t>
             </a:r>
             <a:r>
-              <a:rPr lang="en-US" altLang="ru-RU"/>
-              <a:t> </a:t>
-            </a:r>
-            <a:r>
-              <a:rPr lang="en-US" altLang="en-US"/>
+              <a:rPr lang="en-US" altLang="ru-RU" sz="8000"/>
+              <a:t> </a:t>
+            </a:r>
+            <a:r>
+              <a:rPr lang="en-US" altLang="en-US" sz="8000"/>
               <a:t>структурами</a:t>
             </a:r>
             <a:r>
-              <a:rPr lang="en-US" altLang="ru-RU"/>
-              <a:t> </a:t>
-            </a:r>
-            <a:r>
-              <a:rPr lang="en-US" altLang="en-US"/>
+              <a:rPr lang="en-US" altLang="ru-RU" sz="8000"/>
+              <a:t> </a:t>
+            </a:r>
+            <a:r>
+              <a:rPr lang="en-US" altLang="en-US" sz="8000"/>
               <a:t>данных</a:t>
             </a:r>
             <a:r>
-              <a:rPr lang="en-US" altLang="ru-RU"/>
+              <a:rPr lang="en-US" altLang="ru-RU" sz="8000"/>
               <a:t>. </a:t>
             </a:r>
             <a:r>
-              <a:rPr lang="en-US" altLang="en-US"/>
+              <a:rPr lang="en-US" altLang="en-US" sz="8000"/>
               <a:t>Практикуюсь</a:t>
             </a:r>
             <a:r>
-              <a:rPr lang="en-US" altLang="ru-RU"/>
-              <a:t> </a:t>
-            </a:r>
-            <a:r>
-              <a:rPr lang="en-US" altLang="en-US"/>
+              <a:rPr lang="en-US" altLang="ru-RU" sz="8000"/>
+              <a:t> </a:t>
+            </a:r>
+            <a:r>
+              <a:rPr lang="en-US" altLang="en-US" sz="8000"/>
               <a:t>в</a:t>
             </a:r>
             <a:r>
-              <a:rPr lang="en-US" altLang="ru-RU"/>
-              <a:t> </a:t>
-            </a:r>
-            <a:r>
-              <a:rPr lang="" altLang="ru-RU"/>
-              <a:t>простых задачах</a:t>
-            </a:r>
-            <a:r>
-              <a:rPr lang="en-US" altLang="ru-RU"/>
-              <a:t>.</a:t>
-            </a:r>
-            <a:endParaRPr lang="en-US" altLang="ru-RU"/>
-          </a:p>
-          <a:p>
-            <a:endParaRPr lang="en-US" altLang="ru-RU"/>
-          </a:p>
-          <a:p>
-            <a:r>
-              <a:rPr lang="en-US" altLang="ru-RU"/>
+              <a:rPr lang="en-US" altLang="ru-RU" sz="8000"/>
+              <a:t> простых задачах.</a:t>
+            </a:r>
+            <a:endParaRPr lang="en-US" altLang="ru-RU" sz="8000"/>
+          </a:p>
+          <a:p>
+            <a:endParaRPr lang="en-US" altLang="ru-RU" sz="8000"/>
+          </a:p>
+          <a:p>
+            <a:r>
+              <a:rPr lang="en-US" altLang="ru-RU" sz="8000"/>
               <a:t>Web: </a:t>
             </a:r>
             <a:r>
-              <a:rPr lang="en-US" altLang="en-US"/>
+              <a:rPr lang="en-US" altLang="en-US" sz="8000"/>
               <a:t>Базовые</a:t>
             </a:r>
             <a:r>
-              <a:rPr lang="en-US" altLang="ru-RU"/>
-              <a:t> </a:t>
-            </a:r>
-            <a:r>
-              <a:rPr lang="en-US" altLang="en-US"/>
+              <a:rPr lang="en-US" altLang="ru-RU" sz="8000"/>
+              <a:t> </a:t>
+            </a:r>
+            <a:r>
+              <a:rPr lang="en-US" altLang="en-US" sz="8000"/>
               <a:t>навыки</a:t>
             </a:r>
             <a:r>
-              <a:rPr lang="en-US" altLang="ru-RU"/>
-              <a:t> </a:t>
-            </a:r>
-            <a:r>
-              <a:rPr lang="en-US" altLang="en-US"/>
+              <a:rPr lang="en-US" altLang="ru-RU" sz="8000"/>
+              <a:t> </a:t>
+            </a:r>
+            <a:r>
+              <a:rPr lang="en-US" altLang="en-US" sz="8000"/>
               <a:t>в</a:t>
             </a:r>
             <a:r>
-              <a:rPr lang="en-US" altLang="ru-RU"/>
+              <a:rPr lang="en-US" altLang="ru-RU" sz="8000"/>
               <a:t> HTML, CSS </a:t>
             </a:r>
             <a:r>
-              <a:rPr lang="en-US" altLang="en-US"/>
+              <a:rPr lang="en-US" altLang="en-US" sz="8000"/>
               <a:t>и</a:t>
             </a:r>
             <a:r>
-              <a:rPr lang="en-US" altLang="ru-RU"/>
+              <a:rPr lang="en-US" altLang="ru-RU" sz="8000"/>
               <a:t> JavaScript.</a:t>
             </a:r>
-            <a:endParaRPr lang="en-US" altLang="ru-RU"/>
-          </a:p>
-          <a:p>
-            <a:endParaRPr lang="en-US" altLang="ru-RU"/>
-          </a:p>
-          <a:p>
-            <a:r>
-              <a:rPr lang="en-US" altLang="en-US"/>
+            <a:endParaRPr lang="en-US" altLang="ru-RU" sz="8000"/>
+          </a:p>
+          <a:p>
+            <a:endParaRPr lang="en-US" altLang="ru-RU" sz="8000"/>
+          </a:p>
+          <a:p>
+            <a:r>
+              <a:rPr lang="en-US" altLang="en-US" sz="8000"/>
               <a:t>Ссылка</a:t>
             </a:r>
             <a:r>
-              <a:rPr lang="en-US" altLang="ru-RU"/>
-              <a:t> </a:t>
-            </a:r>
-            <a:r>
-              <a:rPr lang="en-US" altLang="en-US"/>
+              <a:rPr lang="en-US" altLang="ru-RU" sz="8000"/>
+              <a:t> </a:t>
+            </a:r>
+            <a:r>
+              <a:rPr lang="en-US" altLang="en-US" sz="8000"/>
               <a:t>на</a:t>
             </a:r>
             <a:r>
-              <a:rPr lang="en-US" altLang="ru-RU"/>
+              <a:rPr lang="en-US" altLang="ru-RU" sz="8000"/>
               <a:t> GitHub:</a:t>
             </a:r>
-            <a:endParaRPr lang="en-US" altLang="ru-RU"/>
-          </a:p>
-          <a:p>
-            <a:r>
-              <a:rPr lang="en-US" altLang="ru-RU"/>
+            <a:endParaRPr lang="en-US" altLang="ru-RU" sz="8000"/>
+          </a:p>
+          <a:p>
+            <a:r>
+              <a:rPr lang="en-US" altLang="ru-RU" sz="8000"/>
               <a:t>https://github.com/Arsen2453</a:t>
             </a:r>
-            <a:endParaRPr lang="en-US" altLang="ru-RU"/>
-          </a:p>
-          <a:p>
-            <a:r>
-              <a:rPr lang="en-US" altLang="ru-RU"/>
+            <a:endParaRPr lang="en-US" altLang="ru-RU" sz="8000"/>
+          </a:p>
+          <a:p>
+            <a:r>
+              <a:rPr lang="en-US" altLang="ru-RU" sz="8000"/>
               <a:t>https://arsen2453.github.io/Vegefoods/</a:t>
             </a:r>
-            <a:endParaRPr lang="en-US" altLang="ru-RU"/>
-          </a:p>
-          <a:p>
-            <a:r>
-              <a:rPr lang="en-US" altLang="ru-RU"/>
+            <a:endParaRPr lang="en-US" altLang="ru-RU" sz="8000"/>
+          </a:p>
+          <a:p>
+            <a:r>
+              <a:rPr lang="en-US" altLang="ru-RU" sz="8000"/>
               <a:t>https://arsen2453.github.io/Gamer/</a:t>
             </a:r>
-            <a:endParaRPr lang="en-US" altLang="ru-RU"/>
-          </a:p>
-          <a:p>
-            <a:r>
-              <a:rPr lang="en-US" altLang="ru-RU"/>
+            <a:endParaRPr lang="en-US" altLang="ru-RU" sz="8000"/>
+          </a:p>
+          <a:p>
+            <a:r>
+              <a:rPr lang="en-US" altLang="ru-RU" sz="8000"/>
               <a:t>https://arsen2453.github.io/Breakout/</a:t>
             </a:r>
-            <a:endParaRPr lang="en-US" altLang="ru-RU"/>
-          </a:p>
-          <a:p>
-            <a:r>
-              <a:rPr lang="en-US" altLang="ru-RU"/>
+            <a:endParaRPr lang="en-US" altLang="ru-RU" sz="8000"/>
+          </a:p>
+          <a:p>
+            <a:r>
+              <a:rPr lang="en-US" altLang="ru-RU" sz="8000"/>
               <a:t>https://arsen2453.github.io/Arsenal/</a:t>
             </a:r>
-            <a:endParaRPr lang="en-US" altLang="ru-RU"/>
-          </a:p>
-          <a:p>
-            <a:endParaRPr lang="en-US" altLang="ru-RU"/>
+            <a:endParaRPr lang="en-US" altLang="ru-RU" sz="8000"/>
+          </a:p>
+          <a:p>
+            <a:endParaRPr lang="en-US" altLang="ru-RU" sz="8000"/>
           </a:p>
         </p:txBody>
       </p:sp>
@@ -5043,6 +4958,7 @@
   <p:clrMapOvr>
     <a:masterClrMapping/>
   </p:clrMapOvr>
+  <p:transition advTm="35785"/>
 </p:sld>
 </file>
 
@@ -5070,7 +4986,1265 @@
         <p:txBody>
           <a:bodyPr/>
           <a:p>
-            <a:endParaRPr lang="ru-RU" altLang="en-US"/>
+            <a:pPr algn="ctr"/>
+            <a:r>
+              <a:rPr lang="en-US" altLang="en-US">
+                <a:sym typeface="+mn-ea"/>
+              </a:rPr>
+              <a:t>Целевая</a:t>
+            </a:r>
+            <a:r>
+              <a:rPr lang="en-US" altLang="ru-RU">
+                <a:sym typeface="+mn-ea"/>
+              </a:rPr>
+              <a:t> </a:t>
+            </a:r>
+            <a:r>
+              <a:rPr lang="en-US" altLang="en-US">
+                <a:sym typeface="+mn-ea"/>
+              </a:rPr>
+              <a:t>роль</a:t>
+            </a:r>
+            <a:r>
+              <a:rPr lang="en-US" altLang="ru-RU">
+                <a:sym typeface="+mn-ea"/>
+              </a:rPr>
+              <a:t> </a:t>
+            </a:r>
+            <a:r>
+              <a:rPr lang="en-US" altLang="en-US">
+                <a:sym typeface="+mn-ea"/>
+              </a:rPr>
+              <a:t>и</a:t>
+            </a:r>
+            <a:r>
+              <a:rPr lang="en-US" altLang="ru-RU">
+                <a:sym typeface="+mn-ea"/>
+              </a:rPr>
+              <a:t> </a:t>
+            </a:r>
+            <a:r>
+              <a:rPr lang="en-US" altLang="en-US">
+                <a:sym typeface="+mn-ea"/>
+              </a:rPr>
+              <a:t>рынок</a:t>
+            </a:r>
+            <a:endParaRPr lang="en-US" altLang="en-US"/>
+          </a:p>
+        </p:txBody>
+      </p:sp>
+      <p:sp>
+        <p:nvSpPr>
+          <p:cNvPr id="3" name="Замещающее содержимое 2"/>
+          <p:cNvSpPr>
+            <a:spLocks noGrp="1"/>
+          </p:cNvSpPr>
+          <p:nvPr>
+            <p:ph idx="1"/>
+          </p:nvPr>
+        </p:nvSpPr>
+        <p:spPr>
+          <a:xfrm>
+            <a:off x="279400" y="1646555"/>
+            <a:ext cx="10883900" cy="4530725"/>
+          </a:xfrm>
+        </p:spPr>
+        <p:txBody>
+          <a:bodyPr>
+            <a:noAutofit/>
+          </a:bodyPr>
+          <a:p>
+            <a:pPr algn="l"/>
+            <a:r>
+              <a:rPr lang="en-US" altLang="en-US" sz="1900"/>
+              <a:t>Целевая</a:t>
+            </a:r>
+            <a:r>
+              <a:rPr lang="en-US" altLang="ru-RU" sz="1900"/>
+              <a:t> </a:t>
+            </a:r>
+            <a:r>
+              <a:rPr lang="en-US" altLang="en-US" sz="1900"/>
+              <a:t>роль</a:t>
+            </a:r>
+            <a:r>
+              <a:rPr lang="en-US" altLang="ru-RU" sz="1900"/>
+              <a:t>: Junior Data Scientist, </a:t>
+            </a:r>
+            <a:endParaRPr lang="en-US" altLang="ru-RU" sz="1900"/>
+          </a:p>
+          <a:p>
+            <a:pPr algn="l"/>
+            <a:r>
+              <a:rPr lang="en-US" altLang="en-US" sz="1900"/>
+              <a:t>с</a:t>
+            </a:r>
+            <a:r>
+              <a:rPr lang="en-US" altLang="ru-RU" sz="1900"/>
+              <a:t> </a:t>
+            </a:r>
+            <a:r>
+              <a:rPr lang="en-US" altLang="en-US" sz="1900"/>
+              <a:t>акцентом</a:t>
+            </a:r>
+            <a:r>
+              <a:rPr lang="en-US" altLang="ru-RU" sz="1900"/>
+              <a:t> </a:t>
+            </a:r>
+            <a:r>
+              <a:rPr lang="en-US" altLang="en-US" sz="1900"/>
+              <a:t>на</a:t>
+            </a:r>
+            <a:r>
+              <a:rPr lang="en-US" altLang="ru-RU" sz="1900"/>
+              <a:t> </a:t>
+            </a:r>
+            <a:r>
+              <a:rPr lang="en-US" altLang="en-US" sz="1900"/>
+              <a:t>финансовые</a:t>
+            </a:r>
+            <a:r>
+              <a:rPr lang="en-US" altLang="ru-RU" sz="1900"/>
+              <a:t> </a:t>
+            </a:r>
+            <a:r>
+              <a:rPr lang="en-US" altLang="en-US" sz="1900"/>
+              <a:t>сферы</a:t>
+            </a:r>
+            <a:r>
+              <a:rPr lang="en-US" altLang="ru-RU" sz="1900"/>
+              <a:t>.</a:t>
+            </a:r>
+            <a:endParaRPr lang="en-US" altLang="ru-RU" sz="1900"/>
+          </a:p>
+          <a:p>
+            <a:pPr algn="l"/>
+            <a:endParaRPr lang="en-US" altLang="ru-RU" sz="1900"/>
+          </a:p>
+          <a:p>
+            <a:pPr algn="l"/>
+            <a:r>
+              <a:rPr lang="en-US" altLang="en-US" sz="1900"/>
+              <a:t>Требования</a:t>
+            </a:r>
+            <a:r>
+              <a:rPr lang="en-US" altLang="ru-RU" sz="1900"/>
+              <a:t> </a:t>
+            </a:r>
+            <a:r>
+              <a:rPr lang="en-US" altLang="en-US" sz="1900"/>
+              <a:t>рынка</a:t>
+            </a:r>
+            <a:r>
+              <a:rPr lang="en-US" altLang="ru-RU" sz="1900"/>
+              <a:t>: </a:t>
+            </a:r>
+            <a:endParaRPr lang="en-US" altLang="ru-RU" sz="1900"/>
+          </a:p>
+          <a:p>
+            <a:pPr algn="l"/>
+            <a:r>
+              <a:rPr lang="en-US" altLang="ru-RU" sz="1900"/>
+              <a:t>Python (NumPy, pandas).</a:t>
+            </a:r>
+            <a:endParaRPr lang="en-US" altLang="ru-RU" sz="1900"/>
+          </a:p>
+          <a:p>
+            <a:pPr algn="l"/>
+            <a:r>
+              <a:rPr lang="en-US" altLang="en-US" sz="1900"/>
+              <a:t>Знание</a:t>
+            </a:r>
+            <a:r>
+              <a:rPr lang="en-US" altLang="ru-RU" sz="1900"/>
+              <a:t> SQL.</a:t>
+            </a:r>
+            <a:endParaRPr lang="en-US" altLang="ru-RU" sz="1900"/>
+          </a:p>
+          <a:p>
+            <a:pPr algn="l"/>
+            <a:r>
+              <a:rPr lang="en-US" altLang="en-US" sz="1900"/>
+              <a:t>Опыт</a:t>
+            </a:r>
+            <a:r>
+              <a:rPr lang="en-US" altLang="ru-RU" sz="1900"/>
+              <a:t> </a:t>
+            </a:r>
+            <a:r>
+              <a:rPr lang="en-US" altLang="en-US" sz="1900"/>
+              <a:t>с</a:t>
+            </a:r>
+            <a:r>
+              <a:rPr lang="en-US" altLang="ru-RU" sz="1900"/>
+              <a:t> </a:t>
+            </a:r>
+            <a:r>
+              <a:rPr lang="en-US" altLang="en-US" sz="1900"/>
+              <a:t>машинным</a:t>
+            </a:r>
+            <a:r>
+              <a:rPr lang="en-US" altLang="ru-RU" sz="1900"/>
+              <a:t> </a:t>
+            </a:r>
+            <a:r>
+              <a:rPr lang="en-US" altLang="en-US" sz="1900"/>
+              <a:t>обучением</a:t>
+            </a:r>
+            <a:r>
+              <a:rPr lang="en-US" altLang="ru-RU" sz="1900"/>
+              <a:t>.</a:t>
+            </a:r>
+            <a:endParaRPr lang="en-US" altLang="ru-RU" sz="1900"/>
+          </a:p>
+          <a:p>
+            <a:pPr algn="l"/>
+            <a:r>
+              <a:rPr lang="en-US" altLang="en-US" sz="1900"/>
+              <a:t>Понимание</a:t>
+            </a:r>
+            <a:r>
+              <a:rPr lang="en-US" altLang="ru-RU" sz="1900"/>
+              <a:t> </a:t>
+            </a:r>
+            <a:r>
+              <a:rPr lang="en-US" altLang="en-US" sz="1900"/>
+              <a:t>статистики</a:t>
+            </a:r>
+            <a:r>
+              <a:rPr lang="en-US" altLang="ru-RU" sz="1900"/>
+              <a:t>.</a:t>
+            </a:r>
+            <a:endParaRPr lang="en-US" altLang="ru-RU" sz="1900"/>
+          </a:p>
+          <a:p>
+            <a:pPr algn="l"/>
+            <a:r>
+              <a:rPr lang="en-US" altLang="en-US" sz="1900"/>
+              <a:t>Умение</a:t>
+            </a:r>
+            <a:r>
+              <a:rPr lang="en-US" altLang="ru-RU" sz="1900"/>
+              <a:t> </a:t>
+            </a:r>
+            <a:r>
+              <a:rPr lang="en-US" altLang="en-US" sz="1900"/>
+              <a:t>работать</a:t>
+            </a:r>
+            <a:r>
+              <a:rPr lang="en-US" altLang="ru-RU" sz="1900"/>
+              <a:t> </a:t>
+            </a:r>
+            <a:r>
+              <a:rPr lang="en-US" altLang="en-US" sz="1900"/>
+              <a:t>с</a:t>
+            </a:r>
+            <a:r>
+              <a:rPr lang="en-US" altLang="ru-RU" sz="1900"/>
+              <a:t> API.</a:t>
+            </a:r>
+            <a:endParaRPr lang="en-US" altLang="ru-RU" sz="1900"/>
+          </a:p>
+        </p:txBody>
+      </p:sp>
+      <p:pic>
+        <p:nvPicPr>
+          <p:cNvPr id="4" name="Изображение 3" descr="Screenshot_5"/>
+          <p:cNvPicPr>
+            <a:picLocks noChangeAspect="1"/>
+          </p:cNvPicPr>
+          <p:nvPr/>
+        </p:nvPicPr>
+        <p:blipFill>
+          <a:blip r:embed="rId1"/>
+          <a:stretch>
+            <a:fillRect/>
+          </a:stretch>
+        </p:blipFill>
+        <p:spPr>
+          <a:xfrm>
+            <a:off x="5817235" y="1508760"/>
+            <a:ext cx="6203315" cy="1440180"/>
+          </a:xfrm>
+          <a:prstGeom prst="rect">
+            <a:avLst/>
+          </a:prstGeom>
+        </p:spPr>
+      </p:pic>
+      <p:pic>
+        <p:nvPicPr>
+          <p:cNvPr id="5" name="Изображение 4" descr="Screenshot_4"/>
+          <p:cNvPicPr>
+            <a:picLocks noChangeAspect="1"/>
+          </p:cNvPicPr>
+          <p:nvPr/>
+        </p:nvPicPr>
+        <p:blipFill>
+          <a:blip r:embed="rId2"/>
+          <a:stretch>
+            <a:fillRect/>
+          </a:stretch>
+        </p:blipFill>
+        <p:spPr>
+          <a:xfrm>
+            <a:off x="5697220" y="3106420"/>
+            <a:ext cx="6221095" cy="3375025"/>
+          </a:xfrm>
+          <a:prstGeom prst="rect">
+            <a:avLst/>
+          </a:prstGeom>
+        </p:spPr>
+      </p:pic>
+      <p:pic>
+        <p:nvPicPr>
+          <p:cNvPr id="6" name="Изображение 5" descr="Screenshot_6"/>
+          <p:cNvPicPr>
+            <a:picLocks noChangeAspect="1"/>
+          </p:cNvPicPr>
+          <p:nvPr/>
+        </p:nvPicPr>
+        <p:blipFill>
+          <a:blip r:embed="rId3"/>
+          <a:stretch>
+            <a:fillRect/>
+          </a:stretch>
+        </p:blipFill>
+        <p:spPr>
+          <a:xfrm>
+            <a:off x="2738755" y="6239510"/>
+            <a:ext cx="3078480" cy="548640"/>
+          </a:xfrm>
+          <a:prstGeom prst="rect">
+            <a:avLst/>
+          </a:prstGeom>
+        </p:spPr>
+      </p:pic>
+    </p:spTree>
+  </p:cSld>
+  <p:clrMapOvr>
+    <a:masterClrMapping/>
+  </p:clrMapOvr>
+  <p:transition advTm="25818"/>
+</p:sld>
+</file>
+
+<file path=ppt/slides/slide4.xml><?xml version="1.0" encoding="utf-8"?>
+<p:sld xmlns:a="http://schemas.openxmlformats.org/drawingml/2006/main" xmlns:r="http://schemas.openxmlformats.org/officeDocument/2006/relationships" xmlns:p="http://schemas.openxmlformats.org/presentationml/2006/main">
+  <p:cSld>
+    <p:spTree>
+      <p:nvGrpSpPr>
+        <p:cNvPr id="1" name=""/>
+        <p:cNvGrpSpPr/>
+        <p:nvPr/>
+      </p:nvGrpSpPr>
+      <p:grpSpPr/>
+      <p:sp>
+        <p:nvSpPr>
+          <p:cNvPr id="2" name="Заголовок 1"/>
+          <p:cNvSpPr>
+            <a:spLocks noGrp="1"/>
+          </p:cNvSpPr>
+          <p:nvPr>
+            <p:ph type="title"/>
+          </p:nvPr>
+        </p:nvSpPr>
+        <p:spPr/>
+        <p:txBody>
+          <a:bodyPr>
+            <a:normAutofit/>
+          </a:bodyPr>
+          <a:p>
+            <a:r>
+              <a:rPr lang="en-US" altLang="en-US">
+                <a:sym typeface="+mn-ea"/>
+              </a:rPr>
+              <a:t>Гэп</a:t>
+            </a:r>
+            <a:r>
+              <a:rPr lang="en-US" altLang="ru-RU">
+                <a:sym typeface="+mn-ea"/>
+              </a:rPr>
+              <a:t>-</a:t>
+            </a:r>
+            <a:r>
+              <a:rPr lang="en-US" altLang="en-US">
+                <a:sym typeface="+mn-ea"/>
+              </a:rPr>
+              <a:t>анализ</a:t>
+            </a:r>
+            <a:r>
+              <a:rPr lang="en-US" altLang="ru-RU">
+                <a:sym typeface="+mn-ea"/>
+              </a:rPr>
+              <a:t>: </a:t>
+            </a:r>
+            <a:r>
+              <a:rPr lang="en-US" altLang="en-US">
+                <a:sym typeface="+mn-ea"/>
+              </a:rPr>
+              <a:t>что</a:t>
+            </a:r>
+            <a:r>
+              <a:rPr lang="en-US" altLang="ru-RU">
+                <a:sym typeface="+mn-ea"/>
+              </a:rPr>
+              <a:t> </a:t>
+            </a:r>
+            <a:r>
+              <a:rPr lang="en-US" altLang="en-US">
+                <a:sym typeface="+mn-ea"/>
+              </a:rPr>
+              <a:t>нужно</a:t>
+            </a:r>
+            <a:r>
+              <a:rPr lang="en-US" altLang="ru-RU">
+                <a:sym typeface="+mn-ea"/>
+              </a:rPr>
+              <a:t> </a:t>
+            </a:r>
+            <a:r>
+              <a:rPr lang="en-US" altLang="en-US">
+                <a:sym typeface="+mn-ea"/>
+              </a:rPr>
+              <a:t>подтянуть</a:t>
+            </a:r>
+            <a:endParaRPr lang="en-US" altLang="en-US"/>
+          </a:p>
+        </p:txBody>
+      </p:sp>
+      <p:sp>
+        <p:nvSpPr>
+          <p:cNvPr id="3" name="Замещающее содержимое 2"/>
+          <p:cNvSpPr>
+            <a:spLocks noGrp="1"/>
+          </p:cNvSpPr>
+          <p:nvPr>
+            <p:ph idx="1"/>
+          </p:nvPr>
+        </p:nvSpPr>
+        <p:spPr>
+          <a:xfrm>
+            <a:off x="647700" y="1584325"/>
+            <a:ext cx="8692515" cy="575310"/>
+          </a:xfrm>
+        </p:spPr>
+        <p:txBody>
+          <a:bodyPr>
+            <a:noAutofit/>
+          </a:bodyPr>
+          <a:p>
+            <a:r>
+              <a:rPr lang="en-US" altLang="en-US" sz="3500"/>
+              <a:t>План</a:t>
+            </a:r>
+            <a:r>
+              <a:rPr lang="en-US" altLang="ru-RU" sz="3500"/>
+              <a:t> </a:t>
+            </a:r>
+            <a:r>
+              <a:rPr lang="en-US" altLang="en-US" sz="3500"/>
+              <a:t>развития</a:t>
+            </a:r>
+            <a:r>
+              <a:rPr lang="en-US" altLang="ru-RU" sz="3500"/>
+              <a:t>: </a:t>
+            </a:r>
+            <a:r>
+              <a:rPr lang="en-US" altLang="en-US" sz="3500"/>
+              <a:t>от</a:t>
+            </a:r>
+            <a:r>
+              <a:rPr lang="en-US" altLang="ru-RU" sz="3500"/>
+              <a:t> </a:t>
+            </a:r>
+            <a:r>
+              <a:rPr lang="en-US" altLang="en-US" sz="3500"/>
+              <a:t>навыков</a:t>
+            </a:r>
+            <a:r>
+              <a:rPr lang="en-US" altLang="ru-RU" sz="3500"/>
+              <a:t> </a:t>
+            </a:r>
+            <a:r>
+              <a:rPr lang="en-US" altLang="en-US" sz="3500"/>
+              <a:t>к</a:t>
+            </a:r>
+            <a:r>
+              <a:rPr lang="en-US" altLang="ru-RU" sz="3500"/>
+              <a:t> </a:t>
+            </a:r>
+            <a:r>
+              <a:rPr lang="en-US" altLang="en-US" sz="3500"/>
+              <a:t>карьере</a:t>
+            </a:r>
+            <a:endParaRPr lang="en-US" altLang="en-US" sz="3500"/>
+          </a:p>
+        </p:txBody>
+      </p:sp>
+      <p:graphicFrame>
+        <p:nvGraphicFramePr>
+          <p:cNvPr id="4" name="Таблица 3"/>
+          <p:cNvGraphicFramePr/>
+          <p:nvPr>
+            <p:custDataLst>
+              <p:tags r:id="rId1"/>
+            </p:custDataLst>
+          </p:nvPr>
+        </p:nvGraphicFramePr>
+        <p:xfrm>
+          <a:off x="647700" y="2490470"/>
+          <a:ext cx="10412095" cy="3713480"/>
+        </p:xfrm>
+        <a:graphic>
+          <a:graphicData uri="http://schemas.openxmlformats.org/drawingml/2006/table">
+            <a:tbl>
+              <a:tblPr firstRow="1" bandRow="1">
+                <a:tableStyleId>{5C22544A-7EE6-4342-B048-85BDC9FD1C3A}</a:tableStyleId>
+              </a:tblPr>
+              <a:tblGrid>
+                <a:gridCol w="3261995"/>
+                <a:gridCol w="2105025"/>
+                <a:gridCol w="5045075"/>
+              </a:tblGrid>
+              <a:tr h="635635">
+                <a:tc>
+                  <a:txBody>
+                    <a:bodyPr/>
+                    <a:p>
+                      <a:pPr algn="l">
+                        <a:lnSpc>
+                          <a:spcPct val="120000"/>
+                        </a:lnSpc>
+                        <a:spcBef>
+                          <a:spcPts val="0"/>
+                        </a:spcBef>
+                        <a:spcAft>
+                          <a:spcPts val="0"/>
+                        </a:spcAft>
+                        <a:buNone/>
+                      </a:pPr>
+                      <a:r>
+                        <a:rPr lang="en-US" altLang="en-US" sz="1800" spc="120">
+                          <a:latin typeface="Microsoft YaHei" panose="020B0503020204020204" charset="-122"/>
+                          <a:ea typeface="Microsoft YaHei" panose="020B0503020204020204" charset="-122"/>
+                          <a:sym typeface="+mn-ea"/>
+                        </a:rPr>
+                        <a:t>Требование</a:t>
+                      </a:r>
+                      <a:endParaRPr lang="en-US" altLang="en-US" sz="1800" spc="120">
+                        <a:latin typeface="Microsoft YaHei" panose="020B0503020204020204" charset="-122"/>
+                        <a:ea typeface="Microsoft YaHei" panose="020B0503020204020204" charset="-122"/>
+                        <a:sym typeface="+mn-ea"/>
+                      </a:endParaRPr>
+                    </a:p>
+                  </a:txBody>
+                  <a:tcPr marL="177800" marR="177800" marT="6350" marB="6350" anchor="ctr"/>
+                </a:tc>
+                <a:tc>
+                  <a:txBody>
+                    <a:bodyPr/>
+                    <a:p>
+                      <a:pPr algn="l">
+                        <a:lnSpc>
+                          <a:spcPct val="120000"/>
+                        </a:lnSpc>
+                        <a:spcBef>
+                          <a:spcPts val="0"/>
+                        </a:spcBef>
+                        <a:spcAft>
+                          <a:spcPts val="0"/>
+                        </a:spcAft>
+                        <a:buNone/>
+                      </a:pPr>
+                      <a:r>
+                        <a:rPr lang="en-US" altLang="en-US" sz="1800" spc="120">
+                          <a:latin typeface="Microsoft YaHei" panose="020B0503020204020204" charset="-122"/>
+                          <a:ea typeface="Microsoft YaHei" panose="020B0503020204020204" charset="-122"/>
+                        </a:rPr>
+                        <a:t>Мой уровень</a:t>
+                      </a:r>
+                      <a:endParaRPr lang="en-US" altLang="en-US" sz="1800" spc="120">
+                        <a:latin typeface="Microsoft YaHei" panose="020B0503020204020204" charset="-122"/>
+                        <a:ea typeface="Microsoft YaHei" panose="020B0503020204020204" charset="-122"/>
+                      </a:endParaRPr>
+                    </a:p>
+                  </a:txBody>
+                  <a:tcPr marL="177800" marR="177800" marT="6350" marB="6350" anchor="ctr"/>
+                </a:tc>
+                <a:tc>
+                  <a:txBody>
+                    <a:bodyPr/>
+                    <a:p>
+                      <a:pPr algn="l">
+                        <a:lnSpc>
+                          <a:spcPct val="120000"/>
+                        </a:lnSpc>
+                        <a:spcBef>
+                          <a:spcPts val="0"/>
+                        </a:spcBef>
+                        <a:spcAft>
+                          <a:spcPts val="0"/>
+                        </a:spcAft>
+                        <a:buNone/>
+                      </a:pPr>
+                      <a:r>
+                        <a:rPr lang="en-US" altLang="en-US" sz="1800" spc="120">
+                          <a:latin typeface="Microsoft YaHei" panose="020B0503020204020204" charset="-122"/>
+                          <a:ea typeface="Microsoft YaHei" panose="020B0503020204020204" charset="-122"/>
+                        </a:rPr>
+                        <a:t>План</a:t>
+                      </a:r>
+                      <a:endParaRPr lang="en-US" altLang="en-US" sz="1800" spc="120">
+                        <a:latin typeface="Microsoft YaHei" panose="020B0503020204020204" charset="-122"/>
+                        <a:ea typeface="Microsoft YaHei" panose="020B0503020204020204" charset="-122"/>
+                      </a:endParaRPr>
+                    </a:p>
+                  </a:txBody>
+                  <a:tcPr marL="177800" marR="177800" marT="6350" marB="6350" anchor="ctr"/>
+                </a:tc>
+              </a:tr>
+              <a:tr h="1066800">
+                <a:tc>
+                  <a:txBody>
+                    <a:bodyPr/>
+                    <a:p>
+                      <a:pPr algn="l">
+                        <a:lnSpc>
+                          <a:spcPct val="120000"/>
+                        </a:lnSpc>
+                        <a:spcBef>
+                          <a:spcPts val="0"/>
+                        </a:spcBef>
+                        <a:spcAft>
+                          <a:spcPts val="0"/>
+                        </a:spcAft>
+                        <a:buNone/>
+                      </a:pPr>
+                      <a:r>
+                        <a:rPr lang="en-US" altLang="ru-RU" sz="1800" spc="120">
+                          <a:latin typeface="Microsoft YaHei" panose="020B0503020204020204" charset="-122"/>
+                          <a:ea typeface="Microsoft YaHei" panose="020B0503020204020204" charset="-122"/>
+                          <a:sym typeface="+mn-ea"/>
+                        </a:rPr>
+                        <a:t>Python DS-стек (pandas, numpy)</a:t>
+                      </a:r>
+                      <a:endParaRPr lang="en-US" altLang="ru-RU" sz="1800" spc="120">
+                        <a:latin typeface="Microsoft YaHei" panose="020B0503020204020204" charset="-122"/>
+                        <a:ea typeface="Microsoft YaHei" panose="020B0503020204020204" charset="-122"/>
+                        <a:sym typeface="+mn-ea"/>
+                      </a:endParaRPr>
+                    </a:p>
+                  </a:txBody>
+                  <a:tcPr marL="177800" marR="177800" marT="6350" marB="6350" anchor="ctr"/>
+                </a:tc>
+                <a:tc>
+                  <a:txBody>
+                    <a:bodyPr/>
+                    <a:p>
+                      <a:pPr algn="l">
+                        <a:lnSpc>
+                          <a:spcPct val="120000"/>
+                        </a:lnSpc>
+                        <a:spcBef>
+                          <a:spcPts val="0"/>
+                        </a:spcBef>
+                        <a:spcAft>
+                          <a:spcPts val="0"/>
+                        </a:spcAft>
+                        <a:buNone/>
+                      </a:pPr>
+                      <a:r>
+                        <a:rPr lang="en-US" altLang="en-US" sz="1800" spc="120">
+                          <a:latin typeface="Microsoft YaHei" panose="020B0503020204020204" charset="-122"/>
+                          <a:ea typeface="Microsoft YaHei" panose="020B0503020204020204" charset="-122"/>
+                        </a:rPr>
+                        <a:t>Начальный</a:t>
+                      </a:r>
+                      <a:endParaRPr lang="en-US" altLang="en-US" sz="1800" spc="120">
+                        <a:latin typeface="Microsoft YaHei" panose="020B0503020204020204" charset="-122"/>
+                        <a:ea typeface="Microsoft YaHei" panose="020B0503020204020204" charset="-122"/>
+                      </a:endParaRPr>
+                    </a:p>
+                  </a:txBody>
+                  <a:tcPr marL="177800" marR="177800" marT="6350" marB="6350" anchor="ctr"/>
+                </a:tc>
+                <a:tc>
+                  <a:txBody>
+                    <a:bodyPr/>
+                    <a:p>
+                      <a:pPr algn="l">
+                        <a:lnSpc>
+                          <a:spcPct val="120000"/>
+                        </a:lnSpc>
+                        <a:spcBef>
+                          <a:spcPts val="0"/>
+                        </a:spcBef>
+                        <a:spcAft>
+                          <a:spcPts val="0"/>
+                        </a:spcAft>
+                        <a:buNone/>
+                      </a:pPr>
+                      <a:r>
+                        <a:rPr lang="en-US" altLang="en-US" sz="1800" spc="120">
+                          <a:latin typeface="Microsoft YaHei" panose="020B0503020204020204" charset="-122"/>
+                          <a:ea typeface="Microsoft YaHei" panose="020B0503020204020204" charset="-122"/>
+                        </a:rPr>
+                        <a:t>Активно</a:t>
+                      </a:r>
+                      <a:r>
+                        <a:rPr lang="en-US" altLang="ru-RU" sz="1800" spc="120">
+                          <a:latin typeface="Microsoft YaHei" panose="020B0503020204020204" charset="-122"/>
+                          <a:ea typeface="Microsoft YaHei" panose="020B0503020204020204" charset="-122"/>
+                        </a:rPr>
+                        <a:t> </a:t>
+                      </a:r>
+                      <a:r>
+                        <a:rPr lang="en-US" altLang="en-US" sz="1800" spc="120">
+                          <a:latin typeface="Microsoft YaHei" panose="020B0503020204020204" charset="-122"/>
+                          <a:ea typeface="Microsoft YaHei" panose="020B0503020204020204" charset="-122"/>
+                        </a:rPr>
+                        <a:t>использовать</a:t>
+                      </a:r>
+                      <a:r>
+                        <a:rPr lang="en-US" altLang="ru-RU" sz="1800" spc="120">
+                          <a:latin typeface="Microsoft YaHei" panose="020B0503020204020204" charset="-122"/>
+                          <a:ea typeface="Microsoft YaHei" panose="020B0503020204020204" charset="-122"/>
+                        </a:rPr>
+                        <a:t> </a:t>
+                      </a:r>
+                      <a:r>
+                        <a:rPr lang="en-US" altLang="en-US" sz="1800" spc="120">
+                          <a:latin typeface="Microsoft YaHei" panose="020B0503020204020204" charset="-122"/>
+                          <a:ea typeface="Microsoft YaHei" panose="020B0503020204020204" charset="-122"/>
+                        </a:rPr>
+                        <a:t>эти</a:t>
+                      </a:r>
+                      <a:r>
+                        <a:rPr lang="en-US" altLang="ru-RU" sz="1800" spc="120">
+                          <a:latin typeface="Microsoft YaHei" panose="020B0503020204020204" charset="-122"/>
+                          <a:ea typeface="Microsoft YaHei" panose="020B0503020204020204" charset="-122"/>
+                        </a:rPr>
+                        <a:t> </a:t>
+                      </a:r>
+                      <a:r>
+                        <a:rPr lang="en-US" altLang="en-US" sz="1800" spc="120">
+                          <a:latin typeface="Microsoft YaHei" panose="020B0503020204020204" charset="-122"/>
+                          <a:ea typeface="Microsoft YaHei" panose="020B0503020204020204" charset="-122"/>
+                        </a:rPr>
+                        <a:t>библиотеки</a:t>
+                      </a:r>
+                      <a:r>
+                        <a:rPr lang="en-US" altLang="ru-RU" sz="1800" spc="120">
+                          <a:latin typeface="Microsoft YaHei" panose="020B0503020204020204" charset="-122"/>
+                          <a:ea typeface="Microsoft YaHei" panose="020B0503020204020204" charset="-122"/>
+                        </a:rPr>
+                        <a:t> </a:t>
+                      </a:r>
+                      <a:r>
+                        <a:rPr lang="en-US" altLang="en-US" sz="1800" spc="120">
+                          <a:latin typeface="Microsoft YaHei" panose="020B0503020204020204" charset="-122"/>
+                          <a:ea typeface="Microsoft YaHei" panose="020B0503020204020204" charset="-122"/>
+                        </a:rPr>
+                        <a:t>в</a:t>
+                      </a:r>
+                      <a:r>
+                        <a:rPr lang="en-US" altLang="ru-RU" sz="1800" spc="120">
+                          <a:latin typeface="Microsoft YaHei" panose="020B0503020204020204" charset="-122"/>
+                          <a:ea typeface="Microsoft YaHei" panose="020B0503020204020204" charset="-122"/>
+                        </a:rPr>
+                        <a:t> </a:t>
+                      </a:r>
+                      <a:r>
+                        <a:rPr lang="en-US" altLang="en-US" sz="1800" spc="120">
+                          <a:latin typeface="Microsoft YaHei" panose="020B0503020204020204" charset="-122"/>
+                          <a:ea typeface="Microsoft YaHei" panose="020B0503020204020204" charset="-122"/>
+                        </a:rPr>
+                        <a:t>каждом</a:t>
+                      </a:r>
+                      <a:r>
+                        <a:rPr lang="en-US" altLang="ru-RU" sz="1800" spc="120">
+                          <a:latin typeface="Microsoft YaHei" panose="020B0503020204020204" charset="-122"/>
+                          <a:ea typeface="Microsoft YaHei" panose="020B0503020204020204" charset="-122"/>
+                        </a:rPr>
+                        <a:t> </a:t>
+                      </a:r>
+                      <a:r>
+                        <a:rPr lang="en-US" altLang="en-US" sz="1800" spc="120">
+                          <a:latin typeface="Microsoft YaHei" panose="020B0503020204020204" charset="-122"/>
+                          <a:ea typeface="Microsoft YaHei" panose="020B0503020204020204" charset="-122"/>
+                        </a:rPr>
+                        <a:t>домашнем</a:t>
+                      </a:r>
+                      <a:r>
+                        <a:rPr lang="en-US" altLang="ru-RU" sz="1800" spc="120">
+                          <a:latin typeface="Microsoft YaHei" panose="020B0503020204020204" charset="-122"/>
+                          <a:ea typeface="Microsoft YaHei" panose="020B0503020204020204" charset="-122"/>
+                        </a:rPr>
+                        <a:t> </a:t>
+                      </a:r>
+                      <a:r>
+                        <a:rPr lang="en-US" altLang="en-US" sz="1800" spc="120">
+                          <a:latin typeface="Microsoft YaHei" panose="020B0503020204020204" charset="-122"/>
+                          <a:ea typeface="Microsoft YaHei" panose="020B0503020204020204" charset="-122"/>
+                        </a:rPr>
+                        <a:t>задании</a:t>
+                      </a:r>
+                      <a:r>
+                        <a:rPr lang="en-US" altLang="ru-RU" sz="1800" spc="120">
+                          <a:latin typeface="Microsoft YaHei" panose="020B0503020204020204" charset="-122"/>
+                          <a:ea typeface="Microsoft YaHei" panose="020B0503020204020204" charset="-122"/>
+                        </a:rPr>
+                        <a:t> </a:t>
+                      </a:r>
+                      <a:r>
+                        <a:rPr lang="en-US" altLang="en-US" sz="1800" spc="120">
+                          <a:latin typeface="Microsoft YaHei" panose="020B0503020204020204" charset="-122"/>
+                          <a:ea typeface="Microsoft YaHei" panose="020B0503020204020204" charset="-122"/>
+                        </a:rPr>
+                        <a:t>курса</a:t>
+                      </a:r>
+                      <a:r>
+                        <a:rPr lang="en-US" altLang="ru-RU" sz="1800" spc="120">
+                          <a:latin typeface="Microsoft YaHei" panose="020B0503020204020204" charset="-122"/>
+                          <a:ea typeface="Microsoft YaHei" panose="020B0503020204020204" charset="-122"/>
+                        </a:rPr>
+                        <a:t>.</a:t>
+                      </a:r>
+                      <a:endParaRPr lang="en-US" altLang="ru-RU" sz="1800" spc="120">
+                        <a:latin typeface="Microsoft YaHei" panose="020B0503020204020204" charset="-122"/>
+                        <a:ea typeface="Microsoft YaHei" panose="020B0503020204020204" charset="-122"/>
+                      </a:endParaRPr>
+                    </a:p>
+                  </a:txBody>
+                  <a:tcPr marL="177800" marR="177800" marT="6350" marB="6350" anchor="ctr"/>
+                </a:tc>
+              </a:tr>
+              <a:tr h="547370">
+                <a:tc>
+                  <a:txBody>
+                    <a:bodyPr/>
+                    <a:p>
+                      <a:pPr algn="l">
+                        <a:lnSpc>
+                          <a:spcPct val="120000"/>
+                        </a:lnSpc>
+                        <a:spcBef>
+                          <a:spcPts val="0"/>
+                        </a:spcBef>
+                        <a:spcAft>
+                          <a:spcPts val="0"/>
+                        </a:spcAft>
+                        <a:buNone/>
+                      </a:pPr>
+                      <a:r>
+                        <a:rPr lang="en-US" altLang="ru-RU" sz="1800" spc="120">
+                          <a:latin typeface="Microsoft YaHei" panose="020B0503020204020204" charset="-122"/>
+                          <a:ea typeface="Microsoft YaHei" panose="020B0503020204020204" charset="-122"/>
+                        </a:rPr>
+                        <a:t>SQL</a:t>
+                      </a:r>
+                      <a:endParaRPr lang="en-US" altLang="ru-RU" sz="1800" spc="120">
+                        <a:latin typeface="Microsoft YaHei" panose="020B0503020204020204" charset="-122"/>
+                        <a:ea typeface="Microsoft YaHei" panose="020B0503020204020204" charset="-122"/>
+                      </a:endParaRPr>
+                    </a:p>
+                  </a:txBody>
+                  <a:tcPr marL="177800" marR="177800" marT="6350" marB="6350" anchor="ctr"/>
+                </a:tc>
+                <a:tc>
+                  <a:txBody>
+                    <a:bodyPr/>
+                    <a:p>
+                      <a:pPr algn="l">
+                        <a:lnSpc>
+                          <a:spcPct val="120000"/>
+                        </a:lnSpc>
+                        <a:spcBef>
+                          <a:spcPts val="0"/>
+                        </a:spcBef>
+                        <a:spcAft>
+                          <a:spcPts val="0"/>
+                        </a:spcAft>
+                        <a:buNone/>
+                      </a:pPr>
+                      <a:r>
+                        <a:rPr lang="en-US" altLang="en-US" sz="1800" spc="120">
+                          <a:latin typeface="Microsoft YaHei" panose="020B0503020204020204" charset="-122"/>
+                          <a:ea typeface="Microsoft YaHei" panose="020B0503020204020204" charset="-122"/>
+                        </a:rPr>
+                        <a:t>Не</a:t>
+                      </a:r>
+                      <a:r>
+                        <a:rPr lang="en-US" altLang="ru-RU" sz="1800" spc="120">
+                          <a:latin typeface="Microsoft YaHei" panose="020B0503020204020204" charset="-122"/>
+                          <a:ea typeface="Microsoft YaHei" panose="020B0503020204020204" charset="-122"/>
+                        </a:rPr>
+                        <a:t> </a:t>
+                      </a:r>
+                      <a:r>
+                        <a:rPr lang="en-US" altLang="en-US" sz="1800" spc="120">
+                          <a:latin typeface="Microsoft YaHei" panose="020B0503020204020204" charset="-122"/>
+                          <a:ea typeface="Microsoft YaHei" panose="020B0503020204020204" charset="-122"/>
+                        </a:rPr>
+                        <a:t>знаю</a:t>
+                      </a:r>
+                      <a:endParaRPr lang="en-US" altLang="en-US" sz="1800" spc="120">
+                        <a:latin typeface="Microsoft YaHei" panose="020B0503020204020204" charset="-122"/>
+                        <a:ea typeface="Microsoft YaHei" panose="020B0503020204020204" charset="-122"/>
+                      </a:endParaRPr>
+                    </a:p>
+                  </a:txBody>
+                  <a:tcPr marL="177800" marR="177800" marT="6350" marB="6350" anchor="ctr"/>
+                </a:tc>
+                <a:tc>
+                  <a:txBody>
+                    <a:bodyPr/>
+                    <a:p>
+                      <a:pPr algn="l">
+                        <a:lnSpc>
+                          <a:spcPct val="120000"/>
+                        </a:lnSpc>
+                        <a:spcBef>
+                          <a:spcPts val="0"/>
+                        </a:spcBef>
+                        <a:spcAft>
+                          <a:spcPts val="0"/>
+                        </a:spcAft>
+                        <a:buNone/>
+                      </a:pPr>
+                      <a:r>
+                        <a:rPr lang="en-US" altLang="en-US" sz="1800" spc="120">
+                          <a:latin typeface="Microsoft YaHei" panose="020B0503020204020204" charset="-122"/>
+                          <a:ea typeface="Microsoft YaHei" panose="020B0503020204020204" charset="-122"/>
+                        </a:rPr>
+                        <a:t>Изучить</a:t>
+                      </a:r>
+                      <a:r>
+                        <a:rPr lang="en-US" altLang="ru-RU" sz="1800" spc="120">
+                          <a:latin typeface="Microsoft YaHei" panose="020B0503020204020204" charset="-122"/>
+                          <a:ea typeface="Microsoft YaHei" panose="020B0503020204020204" charset="-122"/>
+                        </a:rPr>
+                        <a:t> </a:t>
+                      </a:r>
+                      <a:r>
+                        <a:rPr lang="en-US" altLang="en-US" sz="1800" spc="120">
+                          <a:latin typeface="Microsoft YaHei" panose="020B0503020204020204" charset="-122"/>
+                          <a:ea typeface="Microsoft YaHei" panose="020B0503020204020204" charset="-122"/>
+                        </a:rPr>
+                        <a:t>основы</a:t>
+                      </a:r>
+                      <a:r>
+                        <a:rPr lang="en-US" altLang="ru-RU" sz="1800" spc="120">
+                          <a:latin typeface="Microsoft YaHei" panose="020B0503020204020204" charset="-122"/>
+                          <a:ea typeface="Microsoft YaHei" panose="020B0503020204020204" charset="-122"/>
+                        </a:rPr>
+                        <a:t> SQL</a:t>
+                      </a:r>
+                      <a:endParaRPr lang="en-US" altLang="ru-RU" sz="1800" spc="120">
+                        <a:latin typeface="Microsoft YaHei" panose="020B0503020204020204" charset="-122"/>
+                        <a:ea typeface="Microsoft YaHei" panose="020B0503020204020204" charset="-122"/>
+                      </a:endParaRPr>
+                    </a:p>
+                  </a:txBody>
+                  <a:tcPr marL="177800" marR="177800" marT="6350" marB="6350" anchor="ctr"/>
+                </a:tc>
+              </a:tr>
+              <a:tr h="1463675">
+                <a:tc>
+                  <a:txBody>
+                    <a:bodyPr/>
+                    <a:p>
+                      <a:pPr algn="l">
+                        <a:lnSpc>
+                          <a:spcPct val="120000"/>
+                        </a:lnSpc>
+                        <a:spcBef>
+                          <a:spcPts val="0"/>
+                        </a:spcBef>
+                        <a:spcAft>
+                          <a:spcPts val="0"/>
+                        </a:spcAft>
+                        <a:buNone/>
+                      </a:pPr>
+                      <a:r>
+                        <a:rPr lang="en-US" altLang="en-US" sz="1800" spc="120">
+                          <a:latin typeface="Microsoft YaHei" panose="020B0503020204020204" charset="-122"/>
+                          <a:ea typeface="Microsoft YaHei" panose="020B0503020204020204" charset="-122"/>
+                        </a:rPr>
+                        <a:t>Машинное</a:t>
+                      </a:r>
+                      <a:r>
+                        <a:rPr lang="en-US" altLang="ru-RU" sz="1800" spc="120">
+                          <a:latin typeface="Microsoft YaHei" panose="020B0503020204020204" charset="-122"/>
+                          <a:ea typeface="Microsoft YaHei" panose="020B0503020204020204" charset="-122"/>
+                        </a:rPr>
+                        <a:t> </a:t>
+                      </a:r>
+                      <a:r>
+                        <a:rPr lang="en-US" altLang="en-US" sz="1800" spc="120">
+                          <a:latin typeface="Microsoft YaHei" panose="020B0503020204020204" charset="-122"/>
+                          <a:ea typeface="Microsoft YaHei" panose="020B0503020204020204" charset="-122"/>
+                        </a:rPr>
+                        <a:t>обучение</a:t>
+                      </a:r>
+                      <a:endParaRPr lang="en-US" altLang="en-US" sz="1800" spc="120">
+                        <a:latin typeface="Microsoft YaHei" panose="020B0503020204020204" charset="-122"/>
+                        <a:ea typeface="Microsoft YaHei" panose="020B0503020204020204" charset="-122"/>
+                      </a:endParaRPr>
+                    </a:p>
+                  </a:txBody>
+                  <a:tcPr marL="177800" marR="177800" marT="6350" marB="6350" anchor="ctr"/>
+                </a:tc>
+                <a:tc>
+                  <a:txBody>
+                    <a:bodyPr/>
+                    <a:p>
+                      <a:pPr algn="l">
+                        <a:lnSpc>
+                          <a:spcPct val="120000"/>
+                        </a:lnSpc>
+                        <a:spcBef>
+                          <a:spcPts val="0"/>
+                        </a:spcBef>
+                        <a:spcAft>
+                          <a:spcPts val="0"/>
+                        </a:spcAft>
+                        <a:buNone/>
+                      </a:pPr>
+                      <a:r>
+                        <a:rPr lang="en-US" altLang="en-US" sz="1800" spc="120">
+                          <a:latin typeface="Microsoft YaHei" panose="020B0503020204020204" charset="-122"/>
+                          <a:ea typeface="Microsoft YaHei" panose="020B0503020204020204" charset="-122"/>
+                        </a:rPr>
+                        <a:t>Отсутствует</a:t>
+                      </a:r>
+                      <a:endParaRPr lang="en-US" altLang="en-US" sz="1800" spc="120">
+                        <a:latin typeface="Microsoft YaHei" panose="020B0503020204020204" charset="-122"/>
+                        <a:ea typeface="Microsoft YaHei" panose="020B0503020204020204" charset="-122"/>
+                      </a:endParaRPr>
+                    </a:p>
+                  </a:txBody>
+                  <a:tcPr marL="177800" marR="177800" marT="6350" marB="6350" anchor="ctr"/>
+                </a:tc>
+                <a:tc>
+                  <a:txBody>
+                    <a:bodyPr/>
+                    <a:p>
+                      <a:pPr algn="l">
+                        <a:lnSpc>
+                          <a:spcPct val="120000"/>
+                        </a:lnSpc>
+                        <a:spcBef>
+                          <a:spcPts val="0"/>
+                        </a:spcBef>
+                        <a:spcAft>
+                          <a:spcPts val="0"/>
+                        </a:spcAft>
+                        <a:buNone/>
+                      </a:pPr>
+                      <a:r>
+                        <a:rPr lang="en-US" altLang="en-US" sz="1800" spc="120">
+                          <a:latin typeface="Microsoft YaHei" panose="020B0503020204020204" charset="-122"/>
+                          <a:ea typeface="Microsoft YaHei" panose="020B0503020204020204" charset="-122"/>
+                        </a:rPr>
+                        <a:t>Изучить</a:t>
+                      </a:r>
+                      <a:r>
+                        <a:rPr lang="en-US" altLang="ru-RU" sz="1800" spc="120">
+                          <a:latin typeface="Microsoft YaHei" panose="020B0503020204020204" charset="-122"/>
+                          <a:ea typeface="Microsoft YaHei" panose="020B0503020204020204" charset="-122"/>
+                        </a:rPr>
+                        <a:t> </a:t>
+                      </a:r>
+                      <a:r>
+                        <a:rPr lang="en-US" altLang="en-US" sz="1800" spc="120">
+                          <a:latin typeface="Microsoft YaHei" panose="020B0503020204020204" charset="-122"/>
+                          <a:ea typeface="Microsoft YaHei" panose="020B0503020204020204" charset="-122"/>
+                        </a:rPr>
+                        <a:t>теорию</a:t>
+                      </a:r>
+                      <a:r>
+                        <a:rPr lang="en-US" altLang="ru-RU" sz="1800" spc="120">
+                          <a:latin typeface="Microsoft YaHei" panose="020B0503020204020204" charset="-122"/>
+                          <a:ea typeface="Microsoft YaHei" panose="020B0503020204020204" charset="-122"/>
+                        </a:rPr>
+                        <a:t> </a:t>
+                      </a:r>
+                      <a:r>
+                        <a:rPr lang="en-US" altLang="en-US" sz="1800" spc="120">
+                          <a:latin typeface="Microsoft YaHei" panose="020B0503020204020204" charset="-122"/>
+                          <a:ea typeface="Microsoft YaHei" panose="020B0503020204020204" charset="-122"/>
+                        </a:rPr>
+                        <a:t>и</a:t>
+                      </a:r>
+                      <a:r>
+                        <a:rPr lang="en-US" altLang="ru-RU" sz="1800" spc="120">
+                          <a:latin typeface="Microsoft YaHei" panose="020B0503020204020204" charset="-122"/>
+                          <a:ea typeface="Microsoft YaHei" panose="020B0503020204020204" charset="-122"/>
+                        </a:rPr>
+                        <a:t> </a:t>
+                      </a:r>
+                      <a:r>
+                        <a:rPr lang="en-US" altLang="en-US" sz="1800" spc="120">
+                          <a:latin typeface="Microsoft YaHei" panose="020B0503020204020204" charset="-122"/>
+                          <a:ea typeface="Microsoft YaHei" panose="020B0503020204020204" charset="-122"/>
+                        </a:rPr>
+                        <a:t>применить</a:t>
+                      </a:r>
+                      <a:r>
+                        <a:rPr lang="en-US" altLang="ru-RU" sz="1800" spc="120">
+                          <a:latin typeface="Microsoft YaHei" panose="020B0503020204020204" charset="-122"/>
+                          <a:ea typeface="Microsoft YaHei" panose="020B0503020204020204" charset="-122"/>
+                        </a:rPr>
+                        <a:t> </a:t>
+                      </a:r>
+                      <a:r>
+                        <a:rPr lang="en-US" altLang="en-US" sz="1800" spc="120">
+                          <a:latin typeface="Microsoft YaHei" panose="020B0503020204020204" charset="-122"/>
+                          <a:ea typeface="Microsoft YaHei" panose="020B0503020204020204" charset="-122"/>
+                        </a:rPr>
+                        <a:t>базовые</a:t>
+                      </a:r>
+                      <a:r>
+                        <a:rPr lang="en-US" altLang="ru-RU" sz="1800" spc="120">
+                          <a:latin typeface="Microsoft YaHei" panose="020B0503020204020204" charset="-122"/>
+                          <a:ea typeface="Microsoft YaHei" panose="020B0503020204020204" charset="-122"/>
+                        </a:rPr>
+                        <a:t> </a:t>
+                      </a:r>
+                      <a:r>
+                        <a:rPr lang="en-US" altLang="en-US" sz="1800" spc="120">
+                          <a:latin typeface="Microsoft YaHei" panose="020B0503020204020204" charset="-122"/>
+                          <a:ea typeface="Microsoft YaHei" panose="020B0503020204020204" charset="-122"/>
+                        </a:rPr>
+                        <a:t>алгоритмы</a:t>
+                      </a:r>
+                      <a:r>
+                        <a:rPr lang="en-US" altLang="ru-RU" sz="1800" spc="120">
+                          <a:latin typeface="Microsoft YaHei" panose="020B0503020204020204" charset="-122"/>
+                          <a:ea typeface="Microsoft YaHei" panose="020B0503020204020204" charset="-122"/>
+                        </a:rPr>
+                        <a:t> </a:t>
+                      </a:r>
+                      <a:r>
+                        <a:rPr lang="en-US" altLang="en-US" sz="1800" spc="120">
+                          <a:latin typeface="Microsoft YaHei" panose="020B0503020204020204" charset="-122"/>
+                          <a:ea typeface="Microsoft YaHei" panose="020B0503020204020204" charset="-122"/>
+                        </a:rPr>
+                        <a:t>в</a:t>
+                      </a:r>
+                      <a:r>
+                        <a:rPr lang="en-US" altLang="ru-RU" sz="1800" spc="120">
+                          <a:latin typeface="Microsoft YaHei" panose="020B0503020204020204" charset="-122"/>
+                          <a:ea typeface="Microsoft YaHei" panose="020B0503020204020204" charset="-122"/>
+                        </a:rPr>
+                        <a:t> </a:t>
+                      </a:r>
+                      <a:r>
+                        <a:rPr lang="en-US" altLang="en-US" sz="1800" spc="120">
+                          <a:latin typeface="Microsoft YaHei" panose="020B0503020204020204" charset="-122"/>
+                          <a:ea typeface="Microsoft YaHei" panose="020B0503020204020204" charset="-122"/>
+                        </a:rPr>
+                        <a:t>учебных</a:t>
+                      </a:r>
+                      <a:r>
+                        <a:rPr lang="en-US" altLang="ru-RU" sz="1800" spc="120">
+                          <a:latin typeface="Microsoft YaHei" panose="020B0503020204020204" charset="-122"/>
+                          <a:ea typeface="Microsoft YaHei" panose="020B0503020204020204" charset="-122"/>
+                        </a:rPr>
+                        <a:t> </a:t>
+                      </a:r>
+                      <a:r>
+                        <a:rPr lang="en-US" altLang="en-US" sz="1800" spc="120">
+                          <a:latin typeface="Microsoft YaHei" panose="020B0503020204020204" charset="-122"/>
+                          <a:ea typeface="Microsoft YaHei" panose="020B0503020204020204" charset="-122"/>
+                        </a:rPr>
+                        <a:t>проектах</a:t>
+                      </a:r>
+                      <a:r>
+                        <a:rPr lang="en-US" altLang="ru-RU" sz="1800" spc="120">
+                          <a:latin typeface="Microsoft YaHei" panose="020B0503020204020204" charset="-122"/>
+                          <a:ea typeface="Microsoft YaHei" panose="020B0503020204020204" charset="-122"/>
+                        </a:rPr>
+                        <a:t>.</a:t>
+                      </a:r>
+                      <a:endParaRPr lang="en-US" altLang="ru-RU" sz="1800" spc="120">
+                        <a:latin typeface="Microsoft YaHei" panose="020B0503020204020204" charset="-122"/>
+                        <a:ea typeface="Microsoft YaHei" panose="020B0503020204020204" charset="-122"/>
+                      </a:endParaRPr>
+                    </a:p>
+                  </a:txBody>
+                  <a:tcPr marL="177800" marR="177800" marT="6350" marB="6350" anchor="ctr"/>
+                </a:tc>
+              </a:tr>
+            </a:tbl>
+          </a:graphicData>
+        </a:graphic>
+      </p:graphicFrame>
+    </p:spTree>
+  </p:cSld>
+  <p:clrMapOvr>
+    <a:masterClrMapping/>
+  </p:clrMapOvr>
+  <p:transition advTm="35480"/>
+</p:sld>
+</file>
+
+<file path=ppt/slides/slide5.xml><?xml version="1.0" encoding="utf-8"?>
+<p:sld xmlns:a="http://schemas.openxmlformats.org/drawingml/2006/main" xmlns:r="http://schemas.openxmlformats.org/officeDocument/2006/relationships" xmlns:p="http://schemas.openxmlformats.org/presentationml/2006/main">
+  <p:cSld>
+    <p:spTree>
+      <p:nvGrpSpPr>
+        <p:cNvPr id="1" name=""/>
+        <p:cNvGrpSpPr/>
+        <p:nvPr/>
+      </p:nvGrpSpPr>
+      <p:grpSpPr/>
+      <p:sp>
+        <p:nvSpPr>
+          <p:cNvPr id="2" name="Заголовок 1"/>
+          <p:cNvSpPr>
+            <a:spLocks noGrp="1"/>
+          </p:cNvSpPr>
+          <p:nvPr>
+            <p:ph type="title"/>
+          </p:nvPr>
+        </p:nvSpPr>
+        <p:spPr/>
+        <p:txBody>
+          <a:bodyPr>
+            <a:normAutofit/>
+          </a:bodyPr>
+          <a:p>
+            <a:r>
+              <a:rPr lang="en-US" altLang="en-US"/>
+              <a:t>Мои</a:t>
+            </a:r>
+            <a:r>
+              <a:rPr lang="en-US" altLang="ru-RU"/>
+              <a:t> </a:t>
+            </a:r>
+            <a:r>
+              <a:rPr lang="en-US" altLang="en-US"/>
+              <a:t>цели</a:t>
+            </a:r>
+            <a:r>
+              <a:rPr lang="en-US" altLang="ru-RU"/>
+              <a:t> </a:t>
+            </a:r>
+            <a:r>
+              <a:rPr lang="en-US" altLang="en-US"/>
+              <a:t>на</a:t>
+            </a:r>
+            <a:r>
+              <a:rPr lang="en-US" altLang="ru-RU"/>
+              <a:t> </a:t>
+            </a:r>
+            <a:r>
+              <a:rPr lang="en-US" altLang="en-US"/>
+              <a:t>курс</a:t>
+            </a:r>
+            <a:endParaRPr lang="en-US" altLang="en-US"/>
           </a:p>
         </p:txBody>
       </p:sp>
@@ -5086,9 +6260,652 @@
         </p:nvSpPr>
         <p:spPr/>
         <p:txBody>
-          <a:bodyPr/>
-          <a:p>
-            <a:endParaRPr lang="ru-RU" altLang="en-US"/>
+          <a:bodyPr>
+            <a:normAutofit fontScale="90000" lnSpcReduction="20000"/>
+          </a:bodyPr>
+          <a:p>
+            <a:endParaRPr lang="en-US" altLang="en-US"/>
+          </a:p>
+          <a:p>
+            <a:r>
+              <a:rPr lang="en-US" altLang="en-US"/>
+              <a:t>Цель</a:t>
+            </a:r>
+            <a:r>
+              <a:rPr lang="en-US" altLang="ru-RU"/>
+              <a:t> 1: </a:t>
+            </a:r>
+            <a:r>
+              <a:rPr lang="en-US" altLang="en-US"/>
+              <a:t>Что</a:t>
+            </a:r>
+            <a:r>
+              <a:rPr lang="en-US" altLang="ru-RU"/>
+              <a:t> — </a:t>
+            </a:r>
+            <a:r>
+              <a:rPr lang="en-US" altLang="en-US"/>
+              <a:t>Сделать</a:t>
+            </a:r>
+            <a:r>
+              <a:rPr lang="en-US" altLang="ru-RU"/>
+              <a:t> </a:t>
+            </a:r>
+            <a:r>
+              <a:rPr lang="en-US" altLang="en-US"/>
+              <a:t>мини</a:t>
+            </a:r>
+            <a:r>
+              <a:rPr lang="en-US" altLang="ru-RU"/>
+              <a:t>-</a:t>
+            </a:r>
+            <a:r>
+              <a:rPr lang="en-US" altLang="en-US"/>
+              <a:t>проект</a:t>
+            </a:r>
+            <a:r>
+              <a:rPr lang="en-US" altLang="ru-RU"/>
+              <a:t>, </a:t>
+            </a:r>
+            <a:r>
+              <a:rPr lang="en-US" altLang="en-US"/>
+              <a:t>который</a:t>
+            </a:r>
+            <a:r>
+              <a:rPr lang="en-US" altLang="ru-RU"/>
+              <a:t> </a:t>
+            </a:r>
+            <a:r>
+              <a:rPr lang="en-US" altLang="en-US"/>
+              <a:t>собирает</a:t>
+            </a:r>
+            <a:r>
+              <a:rPr lang="en-US" altLang="ru-RU"/>
+              <a:t> </a:t>
+            </a:r>
+            <a:r>
+              <a:rPr lang="en-US" altLang="en-US"/>
+              <a:t>данные</a:t>
+            </a:r>
+            <a:r>
+              <a:rPr lang="en-US" altLang="ru-RU"/>
+              <a:t> </a:t>
+            </a:r>
+            <a:r>
+              <a:rPr lang="en-US" altLang="en-US"/>
+              <a:t>из</a:t>
+            </a:r>
+            <a:r>
+              <a:rPr lang="en-US" altLang="ru-RU"/>
+              <a:t> </a:t>
+            </a:r>
+            <a:r>
+              <a:rPr lang="en-US" altLang="en-US"/>
+              <a:t>интернета</a:t>
+            </a:r>
+            <a:r>
+              <a:rPr lang="en-US" altLang="ru-RU"/>
+              <a:t> </a:t>
+            </a:r>
+            <a:r>
+              <a:rPr lang="en-US" altLang="en-US"/>
+              <a:t>и</a:t>
+            </a:r>
+            <a:r>
+              <a:rPr lang="en-US" altLang="ru-RU"/>
+              <a:t> </a:t>
+            </a:r>
+            <a:r>
+              <a:rPr lang="en-US" altLang="en-US"/>
+              <a:t>анализирует</a:t>
+            </a:r>
+            <a:r>
+              <a:rPr lang="en-US" altLang="ru-RU"/>
+              <a:t> </a:t>
+            </a:r>
+            <a:r>
+              <a:rPr lang="en-US" altLang="en-US"/>
+              <a:t>их</a:t>
+            </a:r>
+            <a:r>
+              <a:rPr lang="en-US" altLang="ru-RU"/>
+              <a:t>. </a:t>
+            </a:r>
+            <a:r>
+              <a:rPr lang="en-US" altLang="en-US"/>
+              <a:t>Чем</a:t>
+            </a:r>
+            <a:r>
+              <a:rPr lang="en-US" altLang="ru-RU"/>
+              <a:t> </a:t>
+            </a:r>
+            <a:r>
+              <a:rPr lang="en-US" altLang="en-US"/>
+              <a:t>измерю</a:t>
+            </a:r>
+            <a:r>
+              <a:rPr lang="en-US" altLang="ru-RU"/>
+              <a:t> — </a:t>
+            </a:r>
+            <a:r>
+              <a:rPr lang="en-US" altLang="en-US"/>
+              <a:t>Законченный</a:t>
+            </a:r>
+            <a:r>
+              <a:rPr lang="en-US" altLang="ru-RU"/>
+              <a:t> </a:t>
+            </a:r>
+            <a:r>
+              <a:rPr lang="en-US" altLang="en-US"/>
+              <a:t>проект</a:t>
+            </a:r>
+            <a:r>
+              <a:rPr lang="en-US" altLang="ru-RU"/>
+              <a:t> </a:t>
+            </a:r>
+            <a:r>
+              <a:rPr lang="en-US" altLang="en-US"/>
+              <a:t>на</a:t>
+            </a:r>
+            <a:r>
+              <a:rPr lang="en-US" altLang="ru-RU"/>
+              <a:t> GitHub. </a:t>
+            </a:r>
+            <a:r>
+              <a:rPr lang="en-US" altLang="en-US"/>
+              <a:t>К</a:t>
+            </a:r>
+            <a:r>
+              <a:rPr lang="en-US" altLang="ru-RU"/>
+              <a:t> </a:t>
+            </a:r>
+            <a:r>
+              <a:rPr lang="en-US" altLang="en-US"/>
+              <a:t>какому</a:t>
+            </a:r>
+            <a:r>
+              <a:rPr lang="en-US" altLang="ru-RU"/>
+              <a:t> </a:t>
+            </a:r>
+            <a:r>
+              <a:rPr lang="en-US" altLang="en-US"/>
+              <a:t>сроку</a:t>
+            </a:r>
+            <a:r>
+              <a:rPr lang="en-US" altLang="ru-RU"/>
+              <a:t> — </a:t>
+            </a:r>
+            <a:r>
+              <a:rPr lang="en-US" altLang="en-US"/>
+              <a:t>К</a:t>
+            </a:r>
+            <a:r>
+              <a:rPr lang="en-US" altLang="ru-RU"/>
+              <a:t> 28 </a:t>
+            </a:r>
+            <a:r>
+              <a:rPr lang="en-US" altLang="en-US"/>
+              <a:t>сентября</a:t>
+            </a:r>
+            <a:r>
+              <a:rPr lang="en-US" altLang="ru-RU"/>
+              <a:t> 2025 </a:t>
+            </a:r>
+            <a:r>
+              <a:rPr lang="en-US" altLang="en-US"/>
+              <a:t>года</a:t>
+            </a:r>
+            <a:r>
+              <a:rPr lang="en-US" altLang="ru-RU"/>
+              <a:t>.</a:t>
+            </a:r>
+            <a:endParaRPr lang="en-US" altLang="ru-RU"/>
+          </a:p>
+          <a:p>
+            <a:endParaRPr lang="en-US" altLang="ru-RU"/>
+          </a:p>
+          <a:p>
+            <a:r>
+              <a:rPr lang="en-US" altLang="en-US"/>
+              <a:t>Цель</a:t>
+            </a:r>
+            <a:r>
+              <a:rPr lang="en-US" altLang="ru-RU"/>
+              <a:t> 2: (</a:t>
+            </a:r>
+            <a:r>
+              <a:rPr lang="en-US" altLang="en-US"/>
+              <a:t>Что</a:t>
+            </a:r>
+            <a:r>
+              <a:rPr lang="en-US" altLang="ru-RU"/>
+              <a:t>) </a:t>
+            </a:r>
+            <a:r>
+              <a:rPr lang="en-US" altLang="en-US"/>
+              <a:t>Понять</a:t>
+            </a:r>
+            <a:r>
+              <a:rPr lang="en-US" altLang="ru-RU"/>
+              <a:t> </a:t>
+            </a:r>
+            <a:r>
+              <a:rPr lang="en-US" altLang="en-US"/>
+              <a:t>основы</a:t>
+            </a:r>
+            <a:r>
+              <a:rPr lang="en-US" altLang="ru-RU"/>
+              <a:t> SQL </a:t>
+            </a:r>
+            <a:r>
+              <a:rPr lang="en-US" altLang="en-US"/>
+              <a:t>для</a:t>
+            </a:r>
+            <a:r>
+              <a:rPr lang="en-US" altLang="ru-RU"/>
+              <a:t> </a:t>
+            </a:r>
+            <a:r>
+              <a:rPr lang="en-US" altLang="en-US"/>
+              <a:t>работы</a:t>
+            </a:r>
+            <a:r>
+              <a:rPr lang="en-US" altLang="ru-RU"/>
+              <a:t> </a:t>
+            </a:r>
+            <a:r>
+              <a:rPr lang="en-US" altLang="en-US"/>
+              <a:t>с</a:t>
+            </a:r>
+            <a:r>
+              <a:rPr lang="en-US" altLang="ru-RU"/>
+              <a:t> </a:t>
+            </a:r>
+            <a:r>
+              <a:rPr lang="en-US" altLang="en-US"/>
+              <a:t>данными</a:t>
+            </a:r>
+            <a:r>
+              <a:rPr lang="en-US" altLang="ru-RU"/>
+              <a:t>. (</a:t>
+            </a:r>
+            <a:r>
+              <a:rPr lang="en-US" altLang="en-US"/>
+              <a:t>Чем</a:t>
+            </a:r>
+            <a:r>
+              <a:rPr lang="en-US" altLang="ru-RU"/>
+              <a:t> </a:t>
+            </a:r>
+            <a:r>
+              <a:rPr lang="en-US" altLang="en-US"/>
+              <a:t>измерю</a:t>
+            </a:r>
+            <a:r>
+              <a:rPr lang="en-US" altLang="ru-RU"/>
+              <a:t>) </a:t>
+            </a:r>
+            <a:r>
+              <a:rPr lang="en-US" altLang="en-US"/>
+              <a:t>Успешно</a:t>
+            </a:r>
+            <a:r>
+              <a:rPr lang="en-US" altLang="ru-RU"/>
+              <a:t> </a:t>
+            </a:r>
+            <a:r>
+              <a:rPr lang="en-US" altLang="en-US"/>
+              <a:t>выполнить</a:t>
+            </a:r>
+            <a:r>
+              <a:rPr lang="en-US" altLang="ru-RU"/>
+              <a:t> 5-7 </a:t>
+            </a:r>
+            <a:r>
+              <a:rPr lang="en-US" altLang="en-US"/>
+              <a:t>учебных</a:t>
+            </a:r>
+            <a:r>
+              <a:rPr lang="en-US" altLang="ru-RU"/>
+              <a:t> </a:t>
+            </a:r>
+            <a:r>
+              <a:rPr lang="en-US" altLang="en-US"/>
+              <a:t>заданий</a:t>
+            </a:r>
+            <a:r>
+              <a:rPr lang="en-US" altLang="ru-RU"/>
+              <a:t>, </a:t>
+            </a:r>
+            <a:r>
+              <a:rPr lang="en-US" altLang="en-US"/>
+              <a:t>требующих</a:t>
+            </a:r>
+            <a:r>
+              <a:rPr lang="en-US" altLang="ru-RU"/>
+              <a:t> </a:t>
+            </a:r>
+            <a:r>
+              <a:rPr lang="en-US" altLang="en-US"/>
+              <a:t>работы</a:t>
+            </a:r>
+            <a:r>
+              <a:rPr lang="en-US" altLang="ru-RU"/>
+              <a:t> </a:t>
+            </a:r>
+            <a:r>
+              <a:rPr lang="en-US" altLang="en-US"/>
+              <a:t>с</a:t>
+            </a:r>
+            <a:r>
+              <a:rPr lang="en-US" altLang="ru-RU"/>
+              <a:t> </a:t>
+            </a:r>
+            <a:r>
+              <a:rPr lang="en-US" altLang="en-US"/>
+              <a:t>базами</a:t>
+            </a:r>
+            <a:r>
+              <a:rPr lang="en-US" altLang="ru-RU"/>
+              <a:t> </a:t>
+            </a:r>
+            <a:r>
+              <a:rPr lang="en-US" altLang="en-US"/>
+              <a:t>данных</a:t>
+            </a:r>
+            <a:r>
+              <a:rPr lang="en-US" altLang="ru-RU"/>
+              <a:t>. </a:t>
+            </a:r>
+            <a:r>
+              <a:rPr lang="en-US" altLang="en-US"/>
+              <a:t>К</a:t>
+            </a:r>
+            <a:r>
+              <a:rPr lang="en-US" altLang="ru-RU"/>
+              <a:t> </a:t>
+            </a:r>
+            <a:r>
+              <a:rPr lang="en-US" altLang="en-US"/>
+              <a:t>какому</a:t>
+            </a:r>
+            <a:r>
+              <a:rPr lang="en-US" altLang="ru-RU"/>
+              <a:t> </a:t>
+            </a:r>
+            <a:r>
+              <a:rPr lang="en-US" altLang="en-US"/>
+              <a:t>сроку</a:t>
+            </a:r>
+            <a:r>
+              <a:rPr lang="en-US" altLang="ru-RU"/>
+              <a:t> — </a:t>
+            </a:r>
+            <a:r>
+              <a:rPr lang="en-US" altLang="en-US"/>
+              <a:t>К</a:t>
+            </a:r>
+            <a:r>
+              <a:rPr lang="en-US" altLang="ru-RU"/>
+              <a:t> 28 </a:t>
+            </a:r>
+            <a:r>
+              <a:rPr lang="en-US" altLang="en-US"/>
+              <a:t>сентября</a:t>
+            </a:r>
+            <a:r>
+              <a:rPr lang="en-US" altLang="ru-RU"/>
+              <a:t> 2025 </a:t>
+            </a:r>
+            <a:r>
+              <a:rPr lang="en-US" altLang="en-US"/>
+              <a:t>года</a:t>
+            </a:r>
+            <a:r>
+              <a:rPr lang="en-US" altLang="ru-RU"/>
+              <a:t>.</a:t>
+            </a:r>
+            <a:endParaRPr lang="en-US" altLang="ru-RU"/>
+          </a:p>
+          <a:p>
+            <a:endParaRPr lang="en-US" altLang="ru-RU"/>
+          </a:p>
+          <a:p>
+            <a:r>
+              <a:rPr lang="en-US" altLang="en-US"/>
+              <a:t>Цель</a:t>
+            </a:r>
+            <a:r>
+              <a:rPr lang="en-US" altLang="ru-RU"/>
+              <a:t> 3: (</a:t>
+            </a:r>
+            <a:r>
+              <a:rPr lang="en-US" altLang="en-US"/>
+              <a:t>Что</a:t>
+            </a:r>
+            <a:r>
+              <a:rPr lang="en-US" altLang="ru-RU"/>
+              <a:t>) </a:t>
+            </a:r>
+            <a:r>
+              <a:rPr lang="en-US" altLang="en-US"/>
+              <a:t>Сделать</a:t>
+            </a:r>
+            <a:r>
+              <a:rPr lang="en-US" altLang="ru-RU"/>
+              <a:t> </a:t>
+            </a:r>
+            <a:r>
+              <a:rPr lang="en-US" altLang="en-US"/>
+              <a:t>2</a:t>
+            </a:r>
+            <a:r>
+              <a:rPr lang="en-US" altLang="ru-RU"/>
+              <a:t>-</a:t>
+            </a:r>
+            <a:r>
+              <a:rPr lang="en-US" altLang="en-US"/>
+              <a:t>3</a:t>
+            </a:r>
+            <a:r>
+              <a:rPr lang="en-US" altLang="ru-RU"/>
+              <a:t> </a:t>
+            </a:r>
+            <a:r>
+              <a:rPr lang="en-US" altLang="en-US"/>
+              <a:t>проекта</a:t>
+            </a:r>
+            <a:r>
+              <a:rPr lang="en-US" altLang="ru-RU"/>
+              <a:t>, </a:t>
+            </a:r>
+            <a:r>
+              <a:rPr lang="en-US" altLang="en-US"/>
+              <a:t>связанных</a:t>
+            </a:r>
+            <a:r>
+              <a:rPr lang="en-US" altLang="ru-RU"/>
+              <a:t> </a:t>
+            </a:r>
+            <a:r>
+              <a:rPr lang="en-US" altLang="en-US"/>
+              <a:t>с</a:t>
+            </a:r>
+            <a:r>
+              <a:rPr lang="en-US" altLang="ru-RU"/>
+              <a:t> </a:t>
+            </a:r>
+            <a:r>
+              <a:rPr lang="en-US" altLang="en-US"/>
+              <a:t>финансовой</a:t>
+            </a:r>
+            <a:r>
+              <a:rPr lang="en-US" altLang="ru-RU"/>
+              <a:t> </a:t>
+            </a:r>
+            <a:r>
+              <a:rPr lang="en-US" altLang="en-US"/>
+              <a:t>сферой</a:t>
+            </a:r>
+            <a:r>
+              <a:rPr lang="en-US" altLang="ru-RU"/>
+              <a:t>, </a:t>
+            </a:r>
+            <a:r>
+              <a:rPr lang="en-US" altLang="en-US"/>
+              <a:t>используя</a:t>
+            </a:r>
+            <a:r>
+              <a:rPr lang="en-US" altLang="ru-RU"/>
+              <a:t> </a:t>
+            </a:r>
+            <a:r>
+              <a:rPr lang="en-US" altLang="en-US"/>
+              <a:t>полученные</a:t>
+            </a:r>
+            <a:r>
+              <a:rPr lang="en-US" altLang="ru-RU"/>
+              <a:t> </a:t>
+            </a:r>
+            <a:r>
+              <a:rPr lang="en-US" altLang="en-US"/>
+              <a:t>на</a:t>
+            </a:r>
+            <a:r>
+              <a:rPr lang="en-US" altLang="ru-RU"/>
+              <a:t> </a:t>
+            </a:r>
+            <a:r>
+              <a:rPr lang="en-US" altLang="en-US"/>
+              <a:t>курсе</a:t>
+            </a:r>
+            <a:r>
+              <a:rPr lang="en-US" altLang="ru-RU"/>
+              <a:t> </a:t>
+            </a:r>
+            <a:r>
+              <a:rPr lang="en-US" altLang="en-US"/>
+              <a:t>навыки</a:t>
+            </a:r>
+            <a:r>
+              <a:rPr lang="en-US" altLang="ru-RU"/>
+              <a:t>. (</a:t>
+            </a:r>
+            <a:r>
+              <a:rPr lang="en-US" altLang="en-US"/>
+              <a:t>Чем</a:t>
+            </a:r>
+            <a:r>
+              <a:rPr lang="en-US" altLang="ru-RU"/>
+              <a:t> </a:t>
+            </a:r>
+            <a:r>
+              <a:rPr lang="en-US" altLang="en-US"/>
+              <a:t>измерю</a:t>
+            </a:r>
+            <a:r>
+              <a:rPr lang="en-US" altLang="ru-RU"/>
+              <a:t>) </a:t>
+            </a:r>
+            <a:r>
+              <a:rPr lang="en-US" altLang="en-US"/>
+              <a:t>Разместить</a:t>
+            </a:r>
+            <a:r>
+              <a:rPr lang="en-US" altLang="ru-RU"/>
+              <a:t> </a:t>
+            </a:r>
+            <a:r>
+              <a:rPr lang="en-US" altLang="en-US"/>
+              <a:t>проекты</a:t>
+            </a:r>
+            <a:r>
+              <a:rPr lang="en-US" altLang="ru-RU"/>
+              <a:t> </a:t>
+            </a:r>
+            <a:r>
+              <a:rPr lang="en-US" altLang="en-US"/>
+              <a:t>в</a:t>
+            </a:r>
+            <a:r>
+              <a:rPr lang="en-US" altLang="ru-RU"/>
+              <a:t> </a:t>
+            </a:r>
+            <a:r>
+              <a:rPr lang="en-US" altLang="en-US"/>
+              <a:t>своём</a:t>
+            </a:r>
+            <a:r>
+              <a:rPr lang="en-US" altLang="ru-RU"/>
+              <a:t> </a:t>
+            </a:r>
+            <a:r>
+              <a:rPr lang="en-US" altLang="en-US"/>
+              <a:t>портфолио</a:t>
+            </a:r>
+            <a:r>
+              <a:rPr lang="en-US" altLang="ru-RU"/>
+              <a:t>. </a:t>
+            </a:r>
+            <a:r>
+              <a:rPr lang="en-US" altLang="en-US"/>
+              <a:t>К</a:t>
+            </a:r>
+            <a:r>
+              <a:rPr lang="en-US" altLang="ru-RU"/>
+              <a:t> </a:t>
+            </a:r>
+            <a:r>
+              <a:rPr lang="en-US" altLang="en-US"/>
+              <a:t>какому</a:t>
+            </a:r>
+            <a:r>
+              <a:rPr lang="en-US" altLang="ru-RU"/>
+              <a:t> </a:t>
+            </a:r>
+            <a:r>
+              <a:rPr lang="en-US" altLang="en-US"/>
+              <a:t>сроку</a:t>
+            </a:r>
+            <a:r>
+              <a:rPr lang="" altLang="en-US"/>
+              <a:t> </a:t>
+            </a:r>
+            <a:r>
+              <a:rPr lang="en-US" altLang="ru-RU">
+                <a:sym typeface="+mn-ea"/>
+              </a:rPr>
+              <a:t>—</a:t>
+            </a:r>
+            <a:r>
+              <a:rPr lang="en-US" altLang="ru-RU"/>
+              <a:t> </a:t>
+            </a:r>
+            <a:r>
+              <a:rPr lang="en-US" altLang="en-US"/>
+              <a:t>К</a:t>
+            </a:r>
+            <a:r>
+              <a:rPr lang="en-US" altLang="ru-RU"/>
+              <a:t> </a:t>
+            </a:r>
+            <a:r>
+              <a:rPr lang="en-US" altLang="en-US"/>
+              <a:t>концу</a:t>
+            </a:r>
+            <a:r>
+              <a:rPr lang="en-US" altLang="ru-RU"/>
+              <a:t> </a:t>
+            </a:r>
+            <a:r>
+              <a:rPr lang="en-US" altLang="en-US"/>
+              <a:t>курса</a:t>
+            </a:r>
+            <a:r>
+              <a:rPr lang="en-US" altLang="ru-RU"/>
+              <a:t>.</a:t>
+            </a:r>
+            <a:endParaRPr lang="en-US" altLang="ru-RU"/>
           </a:p>
         </p:txBody>
       </p:sp>
@@ -5097,7 +6914,16 @@
   <p:clrMapOvr>
     <a:masterClrMapping/>
   </p:clrMapOvr>
+  <p:transition advTm="71179"/>
 </p:sld>
+</file>
+
+<file path=ppt/tags/tag1.xml><?xml version="1.0" encoding="utf-8"?>
+<p:tagLst xmlns:p="http://schemas.openxmlformats.org/presentationml/2006/main">
+  <p:tag name="TABLE_ENDDRAG_ORIGIN_RECT" val="689*249"/>
+  <p:tag name="TABLE_ENDDRAG_RECT" val="45*196*689*249"/>
+  <p:tag name="TABLE_AUTOADJUST_FLAG" val="1"/>
+</p:tagLst>
 </file>
 
 <file path=ppt/theme/theme1.xml><?xml version="1.0" encoding="utf-8"?>
